--- a/internship/CeliacDiseaseTriggers.pptx
+++ b/internship/CeliacDiseaseTriggers.pptx
@@ -14,7 +14,9 @@
     <p:sldId id="262" r:id="rId8"/>
     <p:sldId id="263" r:id="rId9"/>
     <p:sldId id="265" r:id="rId10"/>
-    <p:sldId id="264" r:id="rId11"/>
+    <p:sldId id="266" r:id="rId11"/>
+    <p:sldId id="267" r:id="rId12"/>
+    <p:sldId id="264" r:id="rId13"/>
   </p:sldIdLst>
   <p:sldSz cx="12192000" cy="6858000"/>
   <p:notesSz cx="6858000" cy="9144000"/>
@@ -310,7 +312,7 @@
           <a:p>
             <a:fld id="{846CE7D5-CF57-46EF-B807-FDD0502418D4}" type="datetimeFigureOut">
               <a:rPr lang="en-US" smtClean="0"/>
-              <a:t>11/7/2017</a:t>
+              <a:t>11/8/2017</a:t>
             </a:fld>
             <a:endParaRPr lang="en-US"/>
           </a:p>
@@ -583,7 +585,7 @@
           <a:p>
             <a:fld id="{846CE7D5-CF57-46EF-B807-FDD0502418D4}" type="datetimeFigureOut">
               <a:rPr lang="en-US" smtClean="0"/>
-              <a:t>11/7/2017</a:t>
+              <a:t>11/8/2017</a:t>
             </a:fld>
             <a:endParaRPr lang="en-US"/>
           </a:p>
@@ -776,7 +778,7 @@
           <a:p>
             <a:fld id="{846CE7D5-CF57-46EF-B807-FDD0502418D4}" type="datetimeFigureOut">
               <a:rPr lang="en-US" smtClean="0"/>
-              <a:t>11/7/2017</a:t>
+              <a:t>11/8/2017</a:t>
             </a:fld>
             <a:endParaRPr lang="en-US"/>
           </a:p>
@@ -1043,7 +1045,7 @@
           <a:p>
             <a:fld id="{846CE7D5-CF57-46EF-B807-FDD0502418D4}" type="datetimeFigureOut">
               <a:rPr lang="en-US" smtClean="0"/>
-              <a:t>11/7/2017</a:t>
+              <a:t>11/8/2017</a:t>
             </a:fld>
             <a:endParaRPr lang="en-US"/>
           </a:p>
@@ -1374,7 +1376,7 @@
           <a:p>
             <a:fld id="{846CE7D5-CF57-46EF-B807-FDD0502418D4}" type="datetimeFigureOut">
               <a:rPr lang="en-US" smtClean="0"/>
-              <a:t>11/7/2017</a:t>
+              <a:t>11/8/2017</a:t>
             </a:fld>
             <a:endParaRPr lang="en-US"/>
           </a:p>
@@ -1983,7 +1985,7 @@
           <a:p>
             <a:fld id="{846CE7D5-CF57-46EF-B807-FDD0502418D4}" type="datetimeFigureOut">
               <a:rPr lang="en-US" smtClean="0"/>
-              <a:t>11/7/2017</a:t>
+              <a:t>11/8/2017</a:t>
             </a:fld>
             <a:endParaRPr lang="en-US"/>
           </a:p>
@@ -2826,7 +2828,7 @@
           <a:p>
             <a:fld id="{846CE7D5-CF57-46EF-B807-FDD0502418D4}" type="datetimeFigureOut">
               <a:rPr lang="en-US" smtClean="0"/>
-              <a:t>11/7/2017</a:t>
+              <a:t>11/8/2017</a:t>
             </a:fld>
             <a:endParaRPr lang="en-US"/>
           </a:p>
@@ -2994,7 +2996,7 @@
           <a:p>
             <a:fld id="{846CE7D5-CF57-46EF-B807-FDD0502418D4}" type="datetimeFigureOut">
               <a:rPr lang="en-US" smtClean="0"/>
-              <a:t>11/7/2017</a:t>
+              <a:t>11/8/2017</a:t>
             </a:fld>
             <a:endParaRPr lang="en-US"/>
           </a:p>
@@ -3172,7 +3174,7 @@
           <a:p>
             <a:fld id="{846CE7D5-CF57-46EF-B807-FDD0502418D4}" type="datetimeFigureOut">
               <a:rPr lang="en-US" smtClean="0"/>
-              <a:t>11/7/2017</a:t>
+              <a:t>11/8/2017</a:t>
             </a:fld>
             <a:endParaRPr lang="en-US"/>
           </a:p>
@@ -3340,7 +3342,7 @@
           <a:p>
             <a:fld id="{846CE7D5-CF57-46EF-B807-FDD0502418D4}" type="datetimeFigureOut">
               <a:rPr lang="en-US" smtClean="0"/>
-              <a:t>11/7/2017</a:t>
+              <a:t>11/8/2017</a:t>
             </a:fld>
             <a:endParaRPr lang="en-US"/>
           </a:p>
@@ -3583,7 +3585,7 @@
           <a:p>
             <a:fld id="{846CE7D5-CF57-46EF-B807-FDD0502418D4}" type="datetimeFigureOut">
               <a:rPr lang="en-US" smtClean="0"/>
-              <a:t>11/7/2017</a:t>
+              <a:t>11/8/2017</a:t>
             </a:fld>
             <a:endParaRPr lang="en-US"/>
           </a:p>
@@ -3872,7 +3874,7 @@
           <a:p>
             <a:fld id="{846CE7D5-CF57-46EF-B807-FDD0502418D4}" type="datetimeFigureOut">
               <a:rPr lang="en-US" smtClean="0"/>
-              <a:t>11/7/2017</a:t>
+              <a:t>11/8/2017</a:t>
             </a:fld>
             <a:endParaRPr lang="en-US"/>
           </a:p>
@@ -4307,7 +4309,7 @@
           <a:p>
             <a:fld id="{846CE7D5-CF57-46EF-B807-FDD0502418D4}" type="datetimeFigureOut">
               <a:rPr lang="en-US" smtClean="0"/>
-              <a:t>11/7/2017</a:t>
+              <a:t>11/8/2017</a:t>
             </a:fld>
             <a:endParaRPr lang="en-US"/>
           </a:p>
@@ -4424,7 +4426,7 @@
           <a:p>
             <a:fld id="{846CE7D5-CF57-46EF-B807-FDD0502418D4}" type="datetimeFigureOut">
               <a:rPr lang="en-US" smtClean="0"/>
-              <a:t>11/7/2017</a:t>
+              <a:t>11/8/2017</a:t>
             </a:fld>
             <a:endParaRPr lang="en-US"/>
           </a:p>
@@ -4519,7 +4521,7 @@
           <a:p>
             <a:fld id="{846CE7D5-CF57-46EF-B807-FDD0502418D4}" type="datetimeFigureOut">
               <a:rPr lang="en-US" smtClean="0"/>
-              <a:t>11/7/2017</a:t>
+              <a:t>11/8/2017</a:t>
             </a:fld>
             <a:endParaRPr lang="en-US"/>
           </a:p>
@@ -4796,7 +4798,7 @@
           <a:p>
             <a:fld id="{846CE7D5-CF57-46EF-B807-FDD0502418D4}" type="datetimeFigureOut">
               <a:rPr lang="en-US" smtClean="0"/>
-              <a:t>11/7/2017</a:t>
+              <a:t>11/8/2017</a:t>
             </a:fld>
             <a:endParaRPr lang="en-US"/>
           </a:p>
@@ -5069,7 +5071,7 @@
           <a:p>
             <a:fld id="{846CE7D5-CF57-46EF-B807-FDD0502418D4}" type="datetimeFigureOut">
               <a:rPr lang="en-US" smtClean="0"/>
-              <a:t>11/7/2017</a:t>
+              <a:t>11/8/2017</a:t>
             </a:fld>
             <a:endParaRPr lang="en-US"/>
           </a:p>
@@ -5496,7 +5498,7 @@
           <a:p>
             <a:fld id="{846CE7D5-CF57-46EF-B807-FDD0502418D4}" type="datetimeFigureOut">
               <a:rPr lang="en-US" smtClean="0"/>
-              <a:t>11/7/2017</a:t>
+              <a:t>11/8/2017</a:t>
             </a:fld>
             <a:endParaRPr lang="en-US"/>
           </a:p>
@@ -6118,7 +6120,7 @@
         <p:spPr>
           <a:xfrm>
             <a:off x="10487025" y="400050"/>
-            <a:ext cx="615950" cy="369332"/>
+            <a:ext cx="615950" cy="461665"/>
           </a:xfrm>
           <a:prstGeom prst="rect">
             <a:avLst/>
@@ -6135,7 +6137,7 @@
           <a:p>
             <a:pPr algn="ctr"/>
             <a:r>
-              <a:rPr lang="en-US"/>
+              <a:rPr lang="en-US" sz="2400" b="1"/>
               <a:t>1</a:t>
             </a:r>
           </a:p>
@@ -6233,77 +6235,6 @@
       </p:pic>
       <p:sp>
         <p:nvSpPr>
-          <p:cNvPr id="2" name="Title 1">
-            <a:extLst>
-              <a:ext uri="{FF2B5EF4-FFF2-40B4-BE49-F238E27FC236}">
-                <a16:creationId xmlns:a16="http://schemas.microsoft.com/office/drawing/2014/main" id="{D33BF3FD-65BE-4285-8459-0514A32E44EC}"/>
-              </a:ext>
-            </a:extLst>
-          </p:cNvPr>
-          <p:cNvSpPr>
-            <a:spLocks noGrp="1"/>
-          </p:cNvSpPr>
-          <p:nvPr>
-            <p:ph type="title"/>
-          </p:nvPr>
-        </p:nvSpPr>
-        <p:spPr/>
-        <p:txBody>
-          <a:bodyPr/>
-          <a:lstStyle/>
-          <a:p>
-            <a:r>
-              <a:rPr lang="en-US"/>
-              <a:t>Future</a:t>
-            </a:r>
-            <a:r>
-              <a:rPr lang="en-US">
-                <a:solidFill>
-                  <a:srgbClr val="EBEBEB"/>
-                </a:solidFill>
-              </a:rPr>
-              <a:t> steps</a:t>
-            </a:r>
-            <a:endParaRPr lang="en-US">
-              <a:solidFill>
-                <a:schemeClr val="tx1"/>
-              </a:solidFill>
-            </a:endParaRPr>
-          </a:p>
-        </p:txBody>
-      </p:sp>
-      <p:sp>
-        <p:nvSpPr>
-          <p:cNvPr id="3" name="Content Placeholder 2">
-            <a:extLst>
-              <a:ext uri="{FF2B5EF4-FFF2-40B4-BE49-F238E27FC236}">
-                <a16:creationId xmlns:a16="http://schemas.microsoft.com/office/drawing/2014/main" id="{396F7CF7-3C03-4BAF-9074-40C8BEFBE3EC}"/>
-              </a:ext>
-            </a:extLst>
-          </p:cNvPr>
-          <p:cNvSpPr>
-            <a:spLocks noGrp="1"/>
-          </p:cNvSpPr>
-          <p:nvPr>
-            <p:ph idx="1"/>
-          </p:nvPr>
-        </p:nvSpPr>
-        <p:spPr>
-          <a:xfrm>
-            <a:off x="646111" y="1854511"/>
-            <a:ext cx="8946541" cy="4195481"/>
-          </a:xfrm>
-        </p:spPr>
-        <p:txBody>
-          <a:bodyPr/>
-          <a:lstStyle/>
-          <a:p>
-            <a:endParaRPr lang="en-US"/>
-          </a:p>
-        </p:txBody>
-      </p:sp>
-      <p:sp>
-        <p:nvSpPr>
           <p:cNvPr id="5" name="TextBox 4">
             <a:extLst>
               <a:ext uri="{FF2B5EF4-FFF2-40B4-BE49-F238E27FC236}">
@@ -6317,7 +6248,7 @@
         <p:spPr>
           <a:xfrm>
             <a:off x="9401175" y="387350"/>
-            <a:ext cx="2743200" cy="369332"/>
+            <a:ext cx="2743200" cy="461665"/>
           </a:xfrm>
           <a:prstGeom prst="rect">
             <a:avLst/>
@@ -6334,8 +6265,423 @@
           <a:p>
             <a:pPr algn="ctr"/>
             <a:r>
+              <a:rPr lang="en-US" sz="2400" b="1"/>
+              <a:t>10</a:t>
+            </a:r>
+          </a:p>
+        </p:txBody>
+      </p:sp>
+      <p:sp>
+        <p:nvSpPr>
+          <p:cNvPr id="6" name="Title 5">
+            <a:extLst>
+              <a:ext uri="{FF2B5EF4-FFF2-40B4-BE49-F238E27FC236}">
+                <a16:creationId xmlns:a16="http://schemas.microsoft.com/office/drawing/2014/main" id="{20A67489-42A8-4FE9-A4AA-8F236A34E454}"/>
+              </a:ext>
+            </a:extLst>
+          </p:cNvPr>
+          <p:cNvSpPr>
+            <a:spLocks noGrp="1"/>
+          </p:cNvSpPr>
+          <p:nvPr>
+            <p:ph type="title"/>
+          </p:nvPr>
+        </p:nvSpPr>
+        <p:spPr/>
+        <p:txBody>
+          <a:bodyPr/>
+          <a:lstStyle/>
+          <a:p>
+            <a:endParaRPr lang="en-US"/>
+          </a:p>
+        </p:txBody>
+      </p:sp>
+    </p:spTree>
+    <p:extLst>
+      <p:ext uri="{BB962C8B-B14F-4D97-AF65-F5344CB8AC3E}">
+        <p14:creationId xmlns:p14="http://schemas.microsoft.com/office/powerpoint/2010/main" val="777765098"/>
+      </p:ext>
+    </p:extLst>
+  </p:cSld>
+  <p:clrMapOvr>
+    <a:masterClrMapping/>
+  </p:clrMapOvr>
+</p:sld>
+</file>
+
+<file path=ppt/slides/slide11.xml><?xml version="1.0" encoding="utf-8"?>
+<p:sld xmlns:a="http://schemas.openxmlformats.org/drawingml/2006/main" xmlns:r="http://schemas.openxmlformats.org/officeDocument/2006/relationships" xmlns:p="http://schemas.openxmlformats.org/presentationml/2006/main">
+  <p:cSld>
+    <p:spTree>
+      <p:nvGrpSpPr>
+        <p:cNvPr id="1" name=""/>
+        <p:cNvGrpSpPr/>
+        <p:nvPr/>
+      </p:nvGrpSpPr>
+      <p:grpSpPr>
+        <a:xfrm>
+          <a:off x="0" y="0"/>
+          <a:ext cx="0" cy="0"/>
+          <a:chOff x="0" y="0"/>
+          <a:chExt cx="0" cy="0"/>
+        </a:xfrm>
+      </p:grpSpPr>
+      <p:pic>
+        <p:nvPicPr>
+          <p:cNvPr id="9" name="Picture 12" descr="DNA_white-579.png">
+            <a:extLst>
+              <a:ext uri="{FF2B5EF4-FFF2-40B4-BE49-F238E27FC236}">
+                <a16:creationId xmlns:a16="http://schemas.microsoft.com/office/drawing/2014/main" id="{D5599F71-1294-4423-AAA8-19FE28D3E4F1}"/>
+              </a:ext>
+            </a:extLst>
+          </p:cNvPr>
+          <p:cNvPicPr>
+            <a:picLocks noChangeAspect="1"/>
+          </p:cNvPicPr>
+          <p:nvPr/>
+        </p:nvPicPr>
+        <p:blipFill>
+          <a:blip r:embed="rId2"/>
+          <a:stretch>
+            <a:fillRect/>
+          </a:stretch>
+        </p:blipFill>
+        <p:spPr>
+          <a:xfrm>
+            <a:off x="6822056" y="-503207"/>
+            <a:ext cx="8925703" cy="7999352"/>
+          </a:xfrm>
+          <a:prstGeom prst="rect">
+            <a:avLst/>
+          </a:prstGeom>
+        </p:spPr>
+      </p:pic>
+      <p:pic>
+        <p:nvPicPr>
+          <p:cNvPr id="7" name="Picture 6" descr="dna_background.png">
+            <a:extLst>
+              <a:ext uri="{FF2B5EF4-FFF2-40B4-BE49-F238E27FC236}">
+                <a16:creationId xmlns:a16="http://schemas.microsoft.com/office/drawing/2014/main" id="{3DEDF87D-4A42-4BB7-BC11-93052F592F3B}"/>
+              </a:ext>
+            </a:extLst>
+          </p:cNvPr>
+          <p:cNvPicPr>
+            <a:picLocks noChangeAspect="1"/>
+          </p:cNvPicPr>
+          <p:nvPr/>
+        </p:nvPicPr>
+        <p:blipFill>
+          <a:blip r:embed="rId3"/>
+          <a:stretch>
+            <a:fillRect/>
+          </a:stretch>
+        </p:blipFill>
+        <p:spPr>
+          <a:xfrm>
+            <a:off x="-361950" y="-1362075"/>
+            <a:ext cx="14403360" cy="8138497"/>
+          </a:xfrm>
+          <a:prstGeom prst="rect">
+            <a:avLst/>
+          </a:prstGeom>
+        </p:spPr>
+      </p:pic>
+      <p:sp>
+        <p:nvSpPr>
+          <p:cNvPr id="2" name="Title 1">
+            <a:extLst>
+              <a:ext uri="{FF2B5EF4-FFF2-40B4-BE49-F238E27FC236}">
+                <a16:creationId xmlns:a16="http://schemas.microsoft.com/office/drawing/2014/main" id="{D33BF3FD-65BE-4285-8459-0514A32E44EC}"/>
+              </a:ext>
+            </a:extLst>
+          </p:cNvPr>
+          <p:cNvSpPr>
+            <a:spLocks noGrp="1"/>
+          </p:cNvSpPr>
+          <p:nvPr>
+            <p:ph type="title"/>
+          </p:nvPr>
+        </p:nvSpPr>
+        <p:spPr/>
+        <p:txBody>
+          <a:bodyPr/>
+          <a:lstStyle/>
+          <a:p>
+            <a:r>
               <a:rPr lang="en-US"/>
+              <a:t>Preliminary results</a:t>
+            </a:r>
+            <a:endParaRPr lang="en-US">
+              <a:solidFill>
+                <a:schemeClr val="tx1"/>
+              </a:solidFill>
+            </a:endParaRPr>
+          </a:p>
+        </p:txBody>
+      </p:sp>
+      <p:sp>
+        <p:nvSpPr>
+          <p:cNvPr id="3" name="Content Placeholder 2">
+            <a:extLst>
+              <a:ext uri="{FF2B5EF4-FFF2-40B4-BE49-F238E27FC236}">
+                <a16:creationId xmlns:a16="http://schemas.microsoft.com/office/drawing/2014/main" id="{396F7CF7-3C03-4BAF-9074-40C8BEFBE3EC}"/>
+              </a:ext>
+            </a:extLst>
+          </p:cNvPr>
+          <p:cNvSpPr>
+            <a:spLocks noGrp="1"/>
+          </p:cNvSpPr>
+          <p:nvPr>
+            <p:ph idx="1"/>
+          </p:nvPr>
+        </p:nvSpPr>
+        <p:spPr>
+          <a:xfrm>
+            <a:off x="646111" y="1854511"/>
+            <a:ext cx="8946541" cy="4195481"/>
+          </a:xfrm>
+        </p:spPr>
+        <p:txBody>
+          <a:bodyPr/>
+          <a:lstStyle/>
+          <a:p>
+            <a:endParaRPr lang="en-US"/>
+          </a:p>
+        </p:txBody>
+      </p:sp>
+      <p:sp>
+        <p:nvSpPr>
+          <p:cNvPr id="5" name="TextBox 4">
+            <a:extLst>
+              <a:ext uri="{FF2B5EF4-FFF2-40B4-BE49-F238E27FC236}">
+                <a16:creationId xmlns:a16="http://schemas.microsoft.com/office/drawing/2014/main" id="{ACB7B457-CD0A-4150-9C25-BC0D2921A5DE}"/>
+              </a:ext>
+            </a:extLst>
+          </p:cNvPr>
+          <p:cNvSpPr txBox="1"/>
+          <p:nvPr/>
+        </p:nvSpPr>
+        <p:spPr>
+          <a:xfrm>
+            <a:off x="9401175" y="387350"/>
+            <a:ext cx="2743200" cy="461665"/>
+          </a:xfrm>
+          <a:prstGeom prst="rect">
+            <a:avLst/>
+          </a:prstGeom>
+        </p:spPr>
+        <p:txBody>
+          <a:bodyPr rot="0" spcFirstLastPara="0" vertOverflow="overflow" horzOverflow="overflow" vert="horz" wrap="square" lIns="91440" tIns="45720" rIns="91440" bIns="45720" numCol="1" spcCol="0" rtlCol="0" fromWordArt="0" anchor="t" anchorCtr="0" forceAA="0" compatLnSpc="1">
+            <a:prstTxWarp prst="textNoShape">
+              <a:avLst/>
+            </a:prstTxWarp>
+            <a:spAutoFit/>
+          </a:bodyPr>
+          <a:lstStyle/>
+          <a:p>
+            <a:pPr algn="ctr"/>
+            <a:r>
+              <a:rPr lang="en-US" sz="2400" b="1"/>
               <a:t>9</a:t>
+            </a:r>
+          </a:p>
+        </p:txBody>
+      </p:sp>
+    </p:spTree>
+    <p:extLst>
+      <p:ext uri="{BB962C8B-B14F-4D97-AF65-F5344CB8AC3E}">
+        <p14:creationId xmlns:p14="http://schemas.microsoft.com/office/powerpoint/2010/main" val="4090550551"/>
+      </p:ext>
+    </p:extLst>
+  </p:cSld>
+  <p:clrMapOvr>
+    <a:masterClrMapping/>
+  </p:clrMapOvr>
+</p:sld>
+</file>
+
+<file path=ppt/slides/slide12.xml><?xml version="1.0" encoding="utf-8"?>
+<p:sld xmlns:a="http://schemas.openxmlformats.org/drawingml/2006/main" xmlns:r="http://schemas.openxmlformats.org/officeDocument/2006/relationships" xmlns:p="http://schemas.openxmlformats.org/presentationml/2006/main">
+  <p:cSld>
+    <p:spTree>
+      <p:nvGrpSpPr>
+        <p:cNvPr id="1" name=""/>
+        <p:cNvGrpSpPr/>
+        <p:nvPr/>
+      </p:nvGrpSpPr>
+      <p:grpSpPr>
+        <a:xfrm>
+          <a:off x="0" y="0"/>
+          <a:ext cx="0" cy="0"/>
+          <a:chOff x="0" y="0"/>
+          <a:chExt cx="0" cy="0"/>
+        </a:xfrm>
+      </p:grpSpPr>
+      <p:pic>
+        <p:nvPicPr>
+          <p:cNvPr id="9" name="Picture 12" descr="DNA_white-579.png">
+            <a:extLst>
+              <a:ext uri="{FF2B5EF4-FFF2-40B4-BE49-F238E27FC236}">
+                <a16:creationId xmlns:a16="http://schemas.microsoft.com/office/drawing/2014/main" id="{D5599F71-1294-4423-AAA8-19FE28D3E4F1}"/>
+              </a:ext>
+            </a:extLst>
+          </p:cNvPr>
+          <p:cNvPicPr>
+            <a:picLocks noChangeAspect="1"/>
+          </p:cNvPicPr>
+          <p:nvPr/>
+        </p:nvPicPr>
+        <p:blipFill>
+          <a:blip r:embed="rId2"/>
+          <a:stretch>
+            <a:fillRect/>
+          </a:stretch>
+        </p:blipFill>
+        <p:spPr>
+          <a:xfrm>
+            <a:off x="6822056" y="-503207"/>
+            <a:ext cx="8925703" cy="7999352"/>
+          </a:xfrm>
+          <a:prstGeom prst="rect">
+            <a:avLst/>
+          </a:prstGeom>
+        </p:spPr>
+      </p:pic>
+      <p:pic>
+        <p:nvPicPr>
+          <p:cNvPr id="7" name="Picture 6" descr="dna_background.png">
+            <a:extLst>
+              <a:ext uri="{FF2B5EF4-FFF2-40B4-BE49-F238E27FC236}">
+                <a16:creationId xmlns:a16="http://schemas.microsoft.com/office/drawing/2014/main" id="{3DEDF87D-4A42-4BB7-BC11-93052F592F3B}"/>
+              </a:ext>
+            </a:extLst>
+          </p:cNvPr>
+          <p:cNvPicPr>
+            <a:picLocks noChangeAspect="1"/>
+          </p:cNvPicPr>
+          <p:nvPr/>
+        </p:nvPicPr>
+        <p:blipFill>
+          <a:blip r:embed="rId3"/>
+          <a:stretch>
+            <a:fillRect/>
+          </a:stretch>
+        </p:blipFill>
+        <p:spPr>
+          <a:xfrm>
+            <a:off x="-361950" y="-1362075"/>
+            <a:ext cx="14403360" cy="8138497"/>
+          </a:xfrm>
+          <a:prstGeom prst="rect">
+            <a:avLst/>
+          </a:prstGeom>
+        </p:spPr>
+      </p:pic>
+      <p:sp>
+        <p:nvSpPr>
+          <p:cNvPr id="2" name="Title 1">
+            <a:extLst>
+              <a:ext uri="{FF2B5EF4-FFF2-40B4-BE49-F238E27FC236}">
+                <a16:creationId xmlns:a16="http://schemas.microsoft.com/office/drawing/2014/main" id="{D33BF3FD-65BE-4285-8459-0514A32E44EC}"/>
+              </a:ext>
+            </a:extLst>
+          </p:cNvPr>
+          <p:cNvSpPr>
+            <a:spLocks noGrp="1"/>
+          </p:cNvSpPr>
+          <p:nvPr>
+            <p:ph type="title"/>
+          </p:nvPr>
+        </p:nvSpPr>
+        <p:spPr/>
+        <p:txBody>
+          <a:bodyPr/>
+          <a:lstStyle/>
+          <a:p>
+            <a:r>
+              <a:rPr lang="en-US"/>
+              <a:t>Future</a:t>
+            </a:r>
+            <a:r>
+              <a:rPr lang="en-US">
+                <a:solidFill>
+                  <a:srgbClr val="EBEBEB"/>
+                </a:solidFill>
+              </a:rPr>
+              <a:t> steps</a:t>
+            </a:r>
+            <a:endParaRPr lang="en-US">
+              <a:solidFill>
+                <a:schemeClr val="tx1"/>
+              </a:solidFill>
+            </a:endParaRPr>
+          </a:p>
+        </p:txBody>
+      </p:sp>
+      <p:sp>
+        <p:nvSpPr>
+          <p:cNvPr id="3" name="Content Placeholder 2">
+            <a:extLst>
+              <a:ext uri="{FF2B5EF4-FFF2-40B4-BE49-F238E27FC236}">
+                <a16:creationId xmlns:a16="http://schemas.microsoft.com/office/drawing/2014/main" id="{396F7CF7-3C03-4BAF-9074-40C8BEFBE3EC}"/>
+              </a:ext>
+            </a:extLst>
+          </p:cNvPr>
+          <p:cNvSpPr>
+            <a:spLocks noGrp="1"/>
+          </p:cNvSpPr>
+          <p:nvPr>
+            <p:ph idx="1"/>
+          </p:nvPr>
+        </p:nvSpPr>
+        <p:spPr>
+          <a:xfrm>
+            <a:off x="646111" y="1854511"/>
+            <a:ext cx="8946541" cy="4195481"/>
+          </a:xfrm>
+        </p:spPr>
+        <p:txBody>
+          <a:bodyPr/>
+          <a:lstStyle/>
+          <a:p>
+            <a:endParaRPr lang="en-US"/>
+          </a:p>
+        </p:txBody>
+      </p:sp>
+      <p:sp>
+        <p:nvSpPr>
+          <p:cNvPr id="5" name="TextBox 4">
+            <a:extLst>
+              <a:ext uri="{FF2B5EF4-FFF2-40B4-BE49-F238E27FC236}">
+                <a16:creationId xmlns:a16="http://schemas.microsoft.com/office/drawing/2014/main" id="{ACB7B457-CD0A-4150-9C25-BC0D2921A5DE}"/>
+              </a:ext>
+            </a:extLst>
+          </p:cNvPr>
+          <p:cNvSpPr txBox="1"/>
+          <p:nvPr/>
+        </p:nvSpPr>
+        <p:spPr>
+          <a:xfrm>
+            <a:off x="9401175" y="387350"/>
+            <a:ext cx="2743200" cy="461665"/>
+          </a:xfrm>
+          <a:prstGeom prst="rect">
+            <a:avLst/>
+          </a:prstGeom>
+        </p:spPr>
+        <p:txBody>
+          <a:bodyPr rot="0" spcFirstLastPara="0" vertOverflow="overflow" horzOverflow="overflow" vert="horz" wrap="square" lIns="91440" tIns="45720" rIns="91440" bIns="45720" numCol="1" spcCol="0" rtlCol="0" fromWordArt="0" anchor="t" anchorCtr="0" forceAA="0" compatLnSpc="1">
+            <a:prstTxWarp prst="textNoShape">
+              <a:avLst/>
+            </a:prstTxWarp>
+            <a:spAutoFit/>
+          </a:bodyPr>
+          <a:lstStyle/>
+          <a:p>
+            <a:pPr algn="ctr"/>
+            <a:r>
+              <a:rPr lang="en-US" sz="2400" b="1"/>
+              <a:t>10</a:t>
             </a:r>
           </a:p>
         </p:txBody>
@@ -6433,112 +6779,6 @@
           </a:p>
         </p:txBody>
       </p:sp>
-      <p:sp>
-        <p:nvSpPr>
-          <p:cNvPr id="3" name="Content Placeholder 2">
-            <a:extLst>
-              <a:ext uri="{FF2B5EF4-FFF2-40B4-BE49-F238E27FC236}">
-                <a16:creationId xmlns:a16="http://schemas.microsoft.com/office/drawing/2014/main" id="{6058139E-BAF5-4024-9854-C27252AF9C69}"/>
-              </a:ext>
-            </a:extLst>
-          </p:cNvPr>
-          <p:cNvSpPr>
-            <a:spLocks noGrp="1"/>
-          </p:cNvSpPr>
-          <p:nvPr>
-            <p:ph idx="1"/>
-          </p:nvPr>
-        </p:nvSpPr>
-        <p:spPr>
-          <a:xfrm>
-            <a:off x="646111" y="1724025"/>
-            <a:ext cx="8946541" cy="4195481"/>
-          </a:xfrm>
-        </p:spPr>
-        <p:txBody>
-          <a:bodyPr vert="horz" lIns="91440" tIns="45720" rIns="91440" bIns="45720" rtlCol="0" anchor="t">
-            <a:normAutofit/>
-          </a:bodyPr>
-          <a:lstStyle/>
-          <a:p>
-            <a:pPr>
-              <a:buClr>
-                <a:srgbClr val="FFFFFF"/>
-              </a:buClr>
-            </a:pPr>
-            <a:r>
-              <a:rPr lang="en-US"/>
-              <a:t>Project goal</a:t>
-            </a:r>
-          </a:p>
-          <a:p>
-            <a:pPr>
-              <a:buClr>
-                <a:srgbClr val="FFFFFF"/>
-              </a:buClr>
-            </a:pPr>
-            <a:r>
-              <a:rPr lang="en-US"/>
-              <a:t>Mendelian Randomization</a:t>
-            </a:r>
-          </a:p>
-          <a:p>
-            <a:pPr>
-              <a:buClr>
-                <a:srgbClr val="FFFFFF"/>
-              </a:buClr>
-            </a:pPr>
-            <a:r>
-              <a:rPr lang="en-US"/>
-              <a:t>Methods</a:t>
-            </a:r>
-          </a:p>
-          <a:p>
-            <a:pPr>
-              <a:buClr>
-                <a:srgbClr val="FFFFFF"/>
-              </a:buClr>
-            </a:pPr>
-            <a:r>
-              <a:rPr lang="en-US"/>
-              <a:t>Data</a:t>
-            </a:r>
-          </a:p>
-          <a:p>
-            <a:pPr>
-              <a:buClr>
-                <a:srgbClr val="FFFFFF"/>
-              </a:buClr>
-            </a:pPr>
-            <a:r>
-              <a:rPr lang="en-US"/>
-              <a:t>Pipeline</a:t>
-            </a:r>
-          </a:p>
-          <a:p>
-            <a:pPr>
-              <a:buClr>
-                <a:srgbClr val="FFFFFF"/>
-              </a:buClr>
-            </a:pPr>
-            <a:r>
-              <a:rPr lang="en-US"/>
-              <a:t>Preliminary results</a:t>
-            </a:r>
-          </a:p>
-          <a:p>
-            <a:pPr>
-              <a:buClr>
-                <a:srgbClr val="FFFFFF"/>
-              </a:buClr>
-            </a:pPr>
-            <a:r>
-              <a:rPr lang="en-US"/>
-              <a:t>Future steps</a:t>
-            </a:r>
-          </a:p>
-        </p:txBody>
-      </p:sp>
       <p:pic>
         <p:nvPicPr>
           <p:cNvPr id="9" name="Picture 12" descr="DNA_white-579.png">
@@ -6584,7 +6824,7 @@
         <p:spPr>
           <a:xfrm>
             <a:off x="9401175" y="342900"/>
-            <a:ext cx="2743200" cy="369332"/>
+            <a:ext cx="2743200" cy="461665"/>
           </a:xfrm>
           <a:prstGeom prst="rect">
             <a:avLst/>
@@ -6601,9 +6841,286 @@
           <a:p>
             <a:pPr algn="ctr"/>
             <a:r>
+              <a:rPr lang="en-US" sz="2400" b="1"/>
+              <a:t>2</a:t>
+            </a:r>
+          </a:p>
+        </p:txBody>
+      </p:sp>
+      <p:sp>
+        <p:nvSpPr>
+          <p:cNvPr id="5" name="Content Placeholder 2">
+            <a:extLst>
+              <a:ext uri="{FF2B5EF4-FFF2-40B4-BE49-F238E27FC236}">
+                <a16:creationId xmlns:a16="http://schemas.microsoft.com/office/drawing/2014/main" id="{BC9E5B41-13E1-4174-9957-12C67E22655C}"/>
+              </a:ext>
+            </a:extLst>
+          </p:cNvPr>
+          <p:cNvSpPr txBox="1">
+            <a:spLocks/>
+          </p:cNvSpPr>
+          <p:nvPr/>
+        </p:nvSpPr>
+        <p:spPr>
+          <a:xfrm>
+            <a:off x="646111" y="1853857"/>
+            <a:ext cx="8946541" cy="4195481"/>
+          </a:xfrm>
+          <a:prstGeom prst="rect">
+            <a:avLst/>
+          </a:prstGeom>
+        </p:spPr>
+        <p:txBody>
+          <a:bodyPr vert="horz" lIns="91440" tIns="45720" rIns="91440" bIns="45720" rtlCol="0" anchor="t">
+            <a:normAutofit/>
+          </a:bodyPr>
+          <a:lstStyle>
+            <a:lvl1pPr marL="342900" indent="-342900" algn="l" defTabSz="457200" rtl="0" eaLnBrk="1" latinLnBrk="0" hangingPunct="1">
+              <a:spcBef>
+                <a:spcPts val="1000"/>
+              </a:spcBef>
+              <a:spcAft>
+                <a:spcPts val="0"/>
+              </a:spcAft>
+              <a:buClr>
+                <a:schemeClr val="accent1"/>
+              </a:buClr>
+              <a:buSzPct val="80000"/>
+              <a:buFont typeface="Wingdings 3" charset="2"/>
+              <a:buChar char=""/>
+              <a:defRPr sz="2000" b="0" i="0" kern="1200">
+                <a:solidFill>
+                  <a:schemeClr val="tx1"/>
+                </a:solidFill>
+                <a:latin typeface="+mj-lt"/>
+                <a:ea typeface="+mj-ea"/>
+                <a:cs typeface="+mj-cs"/>
+              </a:defRPr>
+            </a:lvl1pPr>
+            <a:lvl2pPr marL="742950" indent="-285750" algn="l" defTabSz="457200" rtl="0" eaLnBrk="1" latinLnBrk="0" hangingPunct="1">
+              <a:spcBef>
+                <a:spcPts val="1000"/>
+              </a:spcBef>
+              <a:spcAft>
+                <a:spcPts val="0"/>
+              </a:spcAft>
+              <a:buClr>
+                <a:schemeClr val="accent1"/>
+              </a:buClr>
+              <a:buSzPct val="80000"/>
+              <a:buFont typeface="Wingdings 3" charset="2"/>
+              <a:buChar char=""/>
+              <a:defRPr sz="1800" b="0" i="0" kern="1200">
+                <a:solidFill>
+                  <a:schemeClr val="tx1"/>
+                </a:solidFill>
+                <a:latin typeface="+mj-lt"/>
+                <a:ea typeface="+mj-ea"/>
+                <a:cs typeface="+mj-cs"/>
+              </a:defRPr>
+            </a:lvl2pPr>
+            <a:lvl3pPr marL="1143000" indent="-228600" algn="l" defTabSz="457200" rtl="0" eaLnBrk="1" latinLnBrk="0" hangingPunct="1">
+              <a:spcBef>
+                <a:spcPts val="1000"/>
+              </a:spcBef>
+              <a:spcAft>
+                <a:spcPts val="0"/>
+              </a:spcAft>
+              <a:buClr>
+                <a:schemeClr val="accent1"/>
+              </a:buClr>
+              <a:buSzPct val="80000"/>
+              <a:buFont typeface="Wingdings 3" charset="2"/>
+              <a:buChar char=""/>
+              <a:defRPr sz="1600" b="0" i="0" kern="1200">
+                <a:solidFill>
+                  <a:schemeClr val="tx1"/>
+                </a:solidFill>
+                <a:latin typeface="+mj-lt"/>
+                <a:ea typeface="+mj-ea"/>
+                <a:cs typeface="+mj-cs"/>
+              </a:defRPr>
+            </a:lvl3pPr>
+            <a:lvl4pPr marL="1600200" indent="-228600" algn="l" defTabSz="457200" rtl="0" eaLnBrk="1" latinLnBrk="0" hangingPunct="1">
+              <a:spcBef>
+                <a:spcPts val="1000"/>
+              </a:spcBef>
+              <a:spcAft>
+                <a:spcPts val="0"/>
+              </a:spcAft>
+              <a:buClr>
+                <a:schemeClr val="accent1"/>
+              </a:buClr>
+              <a:buSzPct val="80000"/>
+              <a:buFont typeface="Wingdings 3" charset="2"/>
+              <a:buChar char=""/>
+              <a:defRPr sz="1400" b="0" i="0" kern="1200">
+                <a:solidFill>
+                  <a:schemeClr val="tx1"/>
+                </a:solidFill>
+                <a:latin typeface="+mj-lt"/>
+                <a:ea typeface="+mj-ea"/>
+                <a:cs typeface="+mj-cs"/>
+              </a:defRPr>
+            </a:lvl4pPr>
+            <a:lvl5pPr marL="2057400" indent="-228600" algn="l" defTabSz="457200" rtl="0" eaLnBrk="1" latinLnBrk="0" hangingPunct="1">
+              <a:spcBef>
+                <a:spcPts val="1000"/>
+              </a:spcBef>
+              <a:spcAft>
+                <a:spcPts val="0"/>
+              </a:spcAft>
+              <a:buClr>
+                <a:schemeClr val="accent1"/>
+              </a:buClr>
+              <a:buSzPct val="80000"/>
+              <a:buFont typeface="Wingdings 3" charset="2"/>
+              <a:buChar char=""/>
+              <a:defRPr sz="1400" b="0" i="0" kern="1200">
+                <a:solidFill>
+                  <a:schemeClr val="tx1"/>
+                </a:solidFill>
+                <a:latin typeface="+mj-lt"/>
+                <a:ea typeface="+mj-ea"/>
+                <a:cs typeface="+mj-cs"/>
+              </a:defRPr>
+            </a:lvl5pPr>
+            <a:lvl6pPr marL="2514600" indent="-228600" algn="l" defTabSz="457200" rtl="0" eaLnBrk="1" latinLnBrk="0" hangingPunct="1">
+              <a:spcBef>
+                <a:spcPts val="1000"/>
+              </a:spcBef>
+              <a:spcAft>
+                <a:spcPts val="0"/>
+              </a:spcAft>
+              <a:buClr>
+                <a:schemeClr val="accent1"/>
+              </a:buClr>
+              <a:buSzPct val="80000"/>
+              <a:buFont typeface="Wingdings 3" charset="2"/>
+              <a:buChar char=""/>
+              <a:defRPr sz="1400" b="0" i="0" kern="1200">
+                <a:solidFill>
+                  <a:schemeClr val="tx1"/>
+                </a:solidFill>
+                <a:latin typeface="+mj-lt"/>
+                <a:ea typeface="+mj-ea"/>
+                <a:cs typeface="+mj-cs"/>
+              </a:defRPr>
+            </a:lvl6pPr>
+            <a:lvl7pPr marL="2971800" indent="-228600" algn="l" defTabSz="457200" rtl="0" eaLnBrk="1" latinLnBrk="0" hangingPunct="1">
+              <a:spcBef>
+                <a:spcPts val="1000"/>
+              </a:spcBef>
+              <a:spcAft>
+                <a:spcPts val="0"/>
+              </a:spcAft>
+              <a:buClr>
+                <a:schemeClr val="accent1"/>
+              </a:buClr>
+              <a:buSzPct val="80000"/>
+              <a:buFont typeface="Wingdings 3" charset="2"/>
+              <a:buChar char=""/>
+              <a:defRPr sz="1400" b="0" i="0" kern="1200">
+                <a:solidFill>
+                  <a:schemeClr val="tx1"/>
+                </a:solidFill>
+                <a:latin typeface="+mj-lt"/>
+                <a:ea typeface="+mj-ea"/>
+                <a:cs typeface="+mj-cs"/>
+              </a:defRPr>
+            </a:lvl7pPr>
+            <a:lvl8pPr marL="3429000" indent="-228600" algn="l" defTabSz="457200" rtl="0" eaLnBrk="1" latinLnBrk="0" hangingPunct="1">
+              <a:spcBef>
+                <a:spcPts val="1000"/>
+              </a:spcBef>
+              <a:spcAft>
+                <a:spcPts val="0"/>
+              </a:spcAft>
+              <a:buClr>
+                <a:schemeClr val="accent1"/>
+              </a:buClr>
+              <a:buSzPct val="80000"/>
+              <a:buFont typeface="Wingdings 3" charset="2"/>
+              <a:buChar char=""/>
+              <a:defRPr sz="1400" b="0" i="0" kern="1200">
+                <a:solidFill>
+                  <a:schemeClr val="tx1"/>
+                </a:solidFill>
+                <a:latin typeface="+mj-lt"/>
+                <a:ea typeface="+mj-ea"/>
+                <a:cs typeface="+mj-cs"/>
+              </a:defRPr>
+            </a:lvl8pPr>
+            <a:lvl9pPr marL="3886200" indent="-228600" algn="l" defTabSz="457200" rtl="0" eaLnBrk="1" latinLnBrk="0" hangingPunct="1">
+              <a:spcBef>
+                <a:spcPts val="1000"/>
+              </a:spcBef>
+              <a:spcAft>
+                <a:spcPts val="0"/>
+              </a:spcAft>
+              <a:buClr>
+                <a:schemeClr val="accent1"/>
+              </a:buClr>
+              <a:buSzPct val="80000"/>
+              <a:buFont typeface="Wingdings 3" charset="2"/>
+              <a:buChar char=""/>
+              <a:defRPr sz="1400" b="0" i="0" kern="1200">
+                <a:solidFill>
+                  <a:schemeClr val="tx1"/>
+                </a:solidFill>
+                <a:latin typeface="+mj-lt"/>
+                <a:ea typeface="+mj-ea"/>
+                <a:cs typeface="+mj-cs"/>
+              </a:defRPr>
+            </a:lvl9pPr>
+          </a:lstStyle>
+          <a:p>
+            <a:r>
               <a:rPr lang="en-US"/>
-              <a:t>2</a:t>
-            </a:r>
+              <a:t>Project goal</a:t>
+            </a:r>
+          </a:p>
+          <a:p>
+            <a:r>
+              <a:rPr lang="en-US"/>
+              <a:t>Mendelian Randomization</a:t>
+            </a:r>
+          </a:p>
+          <a:p>
+            <a:r>
+              <a:rPr lang="en-US"/>
+              <a:t>Methods</a:t>
+            </a:r>
+          </a:p>
+          <a:p>
+            <a:r>
+              <a:rPr lang="en-US"/>
+              <a:t>Data</a:t>
+            </a:r>
+          </a:p>
+          <a:p>
+            <a:r>
+              <a:rPr lang="en-US"/>
+              <a:t>Pipeline</a:t>
+            </a:r>
+          </a:p>
+          <a:p>
+            <a:r>
+              <a:rPr lang="en-US"/>
+              <a:t>Preliminary results</a:t>
+            </a:r>
+          </a:p>
+          <a:p>
+            <a:r>
+              <a:rPr lang="en-US"/>
+              <a:t>Future steps</a:t>
+            </a:r>
+          </a:p>
+          <a:p>
+            <a:endParaRPr lang="en-US"/>
+          </a:p>
+          <a:p>
+            <a:endParaRPr lang="en-US"/>
           </a:p>
         </p:txBody>
       </p:sp>
@@ -6639,10 +7156,10 @@
       </p:grpSpPr>
       <p:pic>
         <p:nvPicPr>
-          <p:cNvPr id="5" name="Picture 6" descr="dna_background.png">
-            <a:extLst>
-              <a:ext uri="{FF2B5EF4-FFF2-40B4-BE49-F238E27FC236}">
-                <a16:creationId xmlns:a16="http://schemas.microsoft.com/office/drawing/2014/main" id="{11AEC555-33FB-48CB-B213-A768492A6DC6}"/>
+          <p:cNvPr id="4" name="Picture 12" descr="DNA_white-579.png">
+            <a:extLst>
+              <a:ext uri="{FF2B5EF4-FFF2-40B4-BE49-F238E27FC236}">
+                <a16:creationId xmlns:a16="http://schemas.microsoft.com/office/drawing/2014/main" id="{E1AFF1C0-EDBD-4F2F-8997-C6A3C19A4873}"/>
               </a:ext>
             </a:extLst>
           </p:cNvPr>
@@ -6659,101 +7176,20 @@
         </p:blipFill>
         <p:spPr>
           <a:xfrm>
-            <a:off x="-167268" y="-1306783"/>
-            <a:ext cx="14403360" cy="8138497"/>
+            <a:off x="6822056" y="-503207"/>
+            <a:ext cx="8925703" cy="7999352"/>
           </a:xfrm>
           <a:prstGeom prst="rect">
             <a:avLst/>
           </a:prstGeom>
         </p:spPr>
       </p:pic>
-      <p:sp>
-        <p:nvSpPr>
-          <p:cNvPr id="2" name="Title 1">
-            <a:extLst>
-              <a:ext uri="{FF2B5EF4-FFF2-40B4-BE49-F238E27FC236}">
-                <a16:creationId xmlns:a16="http://schemas.microsoft.com/office/drawing/2014/main" id="{61BB8A8F-6C78-4440-B1C6-AC4E426CFCB8}"/>
-              </a:ext>
-            </a:extLst>
-          </p:cNvPr>
-          <p:cNvSpPr>
-            <a:spLocks noGrp="1"/>
-          </p:cNvSpPr>
-          <p:nvPr>
-            <p:ph type="title"/>
-          </p:nvPr>
-        </p:nvSpPr>
-        <p:spPr/>
-        <p:txBody>
-          <a:bodyPr/>
-          <a:lstStyle/>
-          <a:p>
-            <a:r>
-              <a:rPr lang="en-US"/>
-              <a:t>Project Goal</a:t>
-            </a:r>
-          </a:p>
-        </p:txBody>
-      </p:sp>
-      <p:sp>
-        <p:nvSpPr>
-          <p:cNvPr id="3" name="Content Placeholder 2">
-            <a:extLst>
-              <a:ext uri="{FF2B5EF4-FFF2-40B4-BE49-F238E27FC236}">
-                <a16:creationId xmlns:a16="http://schemas.microsoft.com/office/drawing/2014/main" id="{AFD9147B-3391-4D65-9AAD-A79BCCB5896E}"/>
-              </a:ext>
-            </a:extLst>
-          </p:cNvPr>
-          <p:cNvSpPr>
-            <a:spLocks noGrp="1"/>
-          </p:cNvSpPr>
-          <p:nvPr>
-            <p:ph idx="1"/>
-          </p:nvPr>
-        </p:nvSpPr>
-        <p:spPr>
-          <a:xfrm>
-            <a:off x="646111" y="1853857"/>
-            <a:ext cx="8946541" cy="4195481"/>
-          </a:xfrm>
-        </p:spPr>
-        <p:txBody>
-          <a:bodyPr vert="horz" lIns="91440" tIns="45720" rIns="91440" bIns="45720" rtlCol="0" anchor="t">
-            <a:normAutofit/>
-          </a:bodyPr>
-          <a:lstStyle/>
-          <a:p>
-            <a:r>
-              <a:rPr lang="en-US"/>
-              <a:t>Inspect &gt; 60.000 clinical parameters to;</a:t>
-            </a:r>
-          </a:p>
-          <a:p>
-            <a:r>
-              <a:rPr lang="en-US"/>
-              <a:t>Find potential clinical parameters to evaluate causal effects on celiac disease</a:t>
-            </a:r>
-          </a:p>
-          <a:p>
-            <a:r>
-              <a:rPr lang="en-US"/>
-              <a:t>Identification of factors that cause or protect Celiac Disease</a:t>
-            </a:r>
-          </a:p>
-          <a:p>
-            <a:endParaRPr lang="en-US"/>
-          </a:p>
-          <a:p>
-            <a:endParaRPr lang="en-US"/>
-          </a:p>
-        </p:txBody>
-      </p:sp>
       <p:pic>
         <p:nvPicPr>
-          <p:cNvPr id="4" name="Picture 12" descr="DNA_white-579.png">
-            <a:extLst>
-              <a:ext uri="{FF2B5EF4-FFF2-40B4-BE49-F238E27FC236}">
-                <a16:creationId xmlns:a16="http://schemas.microsoft.com/office/drawing/2014/main" id="{E1AFF1C0-EDBD-4F2F-8997-C6A3C19A4873}"/>
+          <p:cNvPr id="5" name="Picture 6" descr="dna_background.png">
+            <a:extLst>
+              <a:ext uri="{FF2B5EF4-FFF2-40B4-BE49-F238E27FC236}">
+                <a16:creationId xmlns:a16="http://schemas.microsoft.com/office/drawing/2014/main" id="{11AEC555-33FB-48CB-B213-A768492A6DC6}"/>
               </a:ext>
             </a:extLst>
           </p:cNvPr>
@@ -6770,8 +7206,8 @@
         </p:blipFill>
         <p:spPr>
           <a:xfrm>
-            <a:off x="6822056" y="-503207"/>
-            <a:ext cx="8925703" cy="7999352"/>
+            <a:off x="-167268" y="-1306783"/>
+            <a:ext cx="14403360" cy="8138497"/>
           </a:xfrm>
           <a:prstGeom prst="rect">
             <a:avLst/>
@@ -6780,6 +7216,89 @@
       </p:pic>
       <p:sp>
         <p:nvSpPr>
+          <p:cNvPr id="2" name="Title 1">
+            <a:extLst>
+              <a:ext uri="{FF2B5EF4-FFF2-40B4-BE49-F238E27FC236}">
+                <a16:creationId xmlns:a16="http://schemas.microsoft.com/office/drawing/2014/main" id="{61BB8A8F-6C78-4440-B1C6-AC4E426CFCB8}"/>
+              </a:ext>
+            </a:extLst>
+          </p:cNvPr>
+          <p:cNvSpPr>
+            <a:spLocks noGrp="1"/>
+          </p:cNvSpPr>
+          <p:nvPr>
+            <p:ph type="title"/>
+          </p:nvPr>
+        </p:nvSpPr>
+        <p:spPr/>
+        <p:txBody>
+          <a:bodyPr/>
+          <a:lstStyle/>
+          <a:p>
+            <a:r>
+              <a:rPr lang="en-US"/>
+              <a:t>Project Goal</a:t>
+            </a:r>
+          </a:p>
+        </p:txBody>
+      </p:sp>
+      <p:sp>
+        <p:nvSpPr>
+          <p:cNvPr id="3" name="Content Placeholder 2">
+            <a:extLst>
+              <a:ext uri="{FF2B5EF4-FFF2-40B4-BE49-F238E27FC236}">
+                <a16:creationId xmlns:a16="http://schemas.microsoft.com/office/drawing/2014/main" id="{AFD9147B-3391-4D65-9AAD-A79BCCB5896E}"/>
+              </a:ext>
+            </a:extLst>
+          </p:cNvPr>
+          <p:cNvSpPr>
+            <a:spLocks noGrp="1"/>
+          </p:cNvSpPr>
+          <p:nvPr>
+            <p:ph idx="1"/>
+          </p:nvPr>
+        </p:nvSpPr>
+        <p:spPr>
+          <a:xfrm>
+            <a:off x="646111" y="1853857"/>
+            <a:ext cx="8946541" cy="4195481"/>
+          </a:xfrm>
+        </p:spPr>
+        <p:txBody>
+          <a:bodyPr vert="horz" lIns="91440" tIns="45720" rIns="91440" bIns="45720" rtlCol="0" anchor="t">
+            <a:normAutofit/>
+          </a:bodyPr>
+          <a:lstStyle/>
+          <a:p>
+            <a:r>
+              <a:rPr lang="en-US"/>
+              <a:t>Inspect &gt; 60.000 clinical parameters to;</a:t>
+            </a:r>
+          </a:p>
+          <a:p>
+            <a:pPr lvl="1"/>
+            <a:r>
+              <a:rPr lang="en-US"/>
+              <a:t>Find potential clinical parameters to evaluate causal effects on celiac disease</a:t>
+            </a:r>
+          </a:p>
+          <a:p>
+            <a:pPr lvl="1"/>
+            <a:r>
+              <a:rPr lang="en-US"/>
+              <a:t>Identification of factors that cause or protect Celiac Disease</a:t>
+            </a:r>
+          </a:p>
+          <a:p>
+            <a:endParaRPr lang="en-US"/>
+          </a:p>
+          <a:p>
+            <a:endParaRPr lang="en-US"/>
+          </a:p>
+        </p:txBody>
+      </p:sp>
+      <p:sp>
+        <p:nvSpPr>
           <p:cNvPr id="7" name="TextBox 6">
             <a:extLst>
               <a:ext uri="{FF2B5EF4-FFF2-40B4-BE49-F238E27FC236}">
@@ -6793,7 +7312,7 @@
         <p:spPr>
           <a:xfrm>
             <a:off x="9410700" y="381000"/>
-            <a:ext cx="2743200" cy="369332"/>
+            <a:ext cx="2743200" cy="461665"/>
           </a:xfrm>
           <a:prstGeom prst="rect">
             <a:avLst/>
@@ -6810,7 +7329,7 @@
           <a:p>
             <a:pPr algn="ctr"/>
             <a:r>
-              <a:rPr lang="en-US"/>
+              <a:rPr lang="en-US" sz="2400" b="1"/>
               <a:t>3</a:t>
             </a:r>
           </a:p>
@@ -9210,7 +9729,7 @@
         <p:spPr>
           <a:xfrm>
             <a:off x="9401175" y="387350"/>
-            <a:ext cx="2743200" cy="369332"/>
+            <a:ext cx="2743200" cy="461665"/>
           </a:xfrm>
           <a:prstGeom prst="rect">
             <a:avLst/>
@@ -9227,7 +9746,7 @@
           <a:p>
             <a:pPr algn="ctr"/>
             <a:r>
-              <a:rPr lang="en-US"/>
+              <a:rPr lang="en-US" sz="2400" b="1"/>
               <a:t>4</a:t>
             </a:r>
           </a:p>
@@ -9856,7 +10375,7 @@
         <p:spPr>
           <a:xfrm>
             <a:off x="9391650" y="419100"/>
-            <a:ext cx="2743200" cy="369332"/>
+            <a:ext cx="2743200" cy="461665"/>
           </a:xfrm>
           <a:prstGeom prst="rect">
             <a:avLst/>
@@ -9873,7 +10392,7 @@
           <a:p>
             <a:pPr algn="ctr"/>
             <a:r>
-              <a:rPr lang="en-US"/>
+              <a:rPr lang="en-US" sz="2400" b="1"/>
               <a:t>5</a:t>
             </a:r>
           </a:p>
@@ -10102,7 +10621,7 @@
         <p:spPr>
           <a:xfrm>
             <a:off x="9401175" y="387350"/>
-            <a:ext cx="2743200" cy="369332"/>
+            <a:ext cx="2743200" cy="461665"/>
           </a:xfrm>
           <a:prstGeom prst="rect">
             <a:avLst/>
@@ -10119,7 +10638,7 @@
           <a:p>
             <a:pPr algn="ctr"/>
             <a:r>
-              <a:rPr lang="en-US"/>
+              <a:rPr lang="en-US" sz="2400" b="1"/>
               <a:t>6</a:t>
             </a:r>
           </a:p>
@@ -10140,7 +10659,7 @@
           <p:nvPr>
             <p:extLst>
               <p:ext uri="{D42A27DB-BD31-4B8C-83A1-F6EECF244321}">
-                <p14:modId xmlns:p14="http://schemas.microsoft.com/office/powerpoint/2010/main" val="1909662118"/>
+                <p14:modId xmlns:p14="http://schemas.microsoft.com/office/powerpoint/2010/main" val="1925640741"/>
               </p:ext>
             </p:extLst>
           </p:nvPr>
@@ -10888,6 +11407,95 @@
           </a:graphicData>
         </a:graphic>
       </p:graphicFrame>
+      <p:graphicFrame>
+        <p:nvGraphicFramePr>
+          <p:cNvPr id="3" name="Table 3">
+            <a:extLst>
+              <a:ext uri="{FF2B5EF4-FFF2-40B4-BE49-F238E27FC236}">
+                <a16:creationId xmlns:a16="http://schemas.microsoft.com/office/drawing/2014/main" id="{A6E6C6CF-654D-412D-9E31-F3CD69357DCF}"/>
+              </a:ext>
+            </a:extLst>
+          </p:cNvPr>
+          <p:cNvGraphicFramePr>
+            <a:graphicFrameLocks noGrp="1"/>
+          </p:cNvGraphicFramePr>
+          <p:nvPr>
+            <p:extLst>
+              <p:ext uri="{D42A27DB-BD31-4B8C-83A1-F6EECF244321}">
+                <p14:modId xmlns:p14="http://schemas.microsoft.com/office/powerpoint/2010/main" val="1925403322"/>
+              </p:ext>
+            </p:extLst>
+          </p:nvPr>
+        </p:nvGraphicFramePr>
+        <p:xfrm>
+          <a:off x="762000" y="5953125"/>
+          <a:ext cx="10610850" cy="370840"/>
+        </p:xfrm>
+        <a:graphic>
+          <a:graphicData uri="http://schemas.openxmlformats.org/drawingml/2006/table">
+            <a:tbl>
+              <a:tblPr firstRow="1" bandRow="1">
+                <a:tableStyleId>{D27102A9-8310-4765-A935-A1911B00CA55}</a:tableStyleId>
+              </a:tblPr>
+              <a:tblGrid>
+                <a:gridCol w="6191250">
+                  <a:extLst>
+                    <a:ext uri="{9D8B030D-6E8A-4147-A177-3AD203B41FA5}">
+                      <a16:colId xmlns:a16="http://schemas.microsoft.com/office/drawing/2014/main" val="1696060898"/>
+                    </a:ext>
+                  </a:extLst>
+                </a:gridCol>
+                <a:gridCol w="4419600">
+                  <a:extLst>
+                    <a:ext uri="{9D8B030D-6E8A-4147-A177-3AD203B41FA5}">
+                      <a16:colId xmlns:a16="http://schemas.microsoft.com/office/drawing/2014/main" val="1264651065"/>
+                    </a:ext>
+                  </a:extLst>
+                </a:gridCol>
+              </a:tblGrid>
+              <a:tr h="370840">
+                <a:tc>
+                  <a:txBody>
+                    <a:bodyPr/>
+                    <a:lstStyle/>
+                    <a:p>
+                      <a:pPr>
+                        <a:buNone/>
+                      </a:pPr>
+                      <a:r>
+                        <a:rPr lang="en-US" sz="1600"/>
+                        <a:t>Total</a:t>
+                      </a:r>
+                    </a:p>
+                  </a:txBody>
+                  <a:tcPr/>
+                </a:tc>
+                <a:tc>
+                  <a:txBody>
+                    <a:bodyPr/>
+                    <a:lstStyle/>
+                    <a:p>
+                      <a:pPr>
+                        <a:buNone/>
+                      </a:pPr>
+                      <a:r>
+                        <a:rPr lang="en-US" sz="1600"/>
+                        <a:t>70059</a:t>
+                      </a:r>
+                    </a:p>
+                  </a:txBody>
+                  <a:tcPr/>
+                </a:tc>
+                <a:extLst>
+                  <a:ext uri="{0D108BD9-81ED-4DB2-BD59-A6C34878D82A}">
+                    <a16:rowId xmlns:a16="http://schemas.microsoft.com/office/drawing/2014/main" val="949011682"/>
+                  </a:ext>
+                </a:extLst>
+              </a:tr>
+            </a:tbl>
+          </a:graphicData>
+        </a:graphic>
+      </p:graphicFrame>
     </p:spTree>
     <p:extLst>
       <p:ext uri="{BB962C8B-B14F-4D97-AF65-F5344CB8AC3E}">
@@ -11026,7 +11634,7 @@
         <p:spPr>
           <a:xfrm>
             <a:off x="9401175" y="387350"/>
-            <a:ext cx="2743200" cy="369332"/>
+            <a:ext cx="2743200" cy="461665"/>
           </a:xfrm>
           <a:prstGeom prst="rect">
             <a:avLst/>
@@ -11043,7 +11651,7 @@
           <a:p>
             <a:pPr algn="ctr"/>
             <a:r>
-              <a:rPr lang="en-US"/>
+              <a:rPr lang="en-US" sz="2400" b="1"/>
               <a:t>7</a:t>
             </a:r>
           </a:p>
@@ -12420,7 +13028,7 @@
           <a:p>
             <a:pPr algn="ctr"/>
             <a:r>
-              <a:rPr lang="en-US" dirty="0"/>
+              <a:rPr lang="en-US"/>
               <a:t>Outcome = Celiac Disease, Exposure = HDL, LDL, Triglycerides</a:t>
             </a:r>
           </a:p>
@@ -12508,7 +13116,7 @@
         </p:blipFill>
         <p:spPr>
           <a:xfrm>
-            <a:off x="-361950" y="-1362075"/>
+            <a:off x="-377407" y="-1409700"/>
             <a:ext cx="14403360" cy="8138497"/>
           </a:xfrm>
           <a:prstGeom prst="rect">
@@ -12531,7 +13139,7 @@
         <p:spPr>
           <a:xfrm>
             <a:off x="9401175" y="387350"/>
-            <a:ext cx="2743200" cy="369332"/>
+            <a:ext cx="2743200" cy="461665"/>
           </a:xfrm>
           <a:prstGeom prst="rect">
             <a:avLst/>
@@ -12548,7 +13156,7 @@
           <a:p>
             <a:pPr algn="ctr"/>
             <a:r>
-              <a:rPr lang="en-US"/>
+              <a:rPr lang="en-US" sz="2400" b="1"/>
               <a:t>8</a:t>
             </a:r>
           </a:p>
@@ -12581,18 +13189,18 @@
           <a:lstStyle/>
           <a:p>
             <a:r>
-              <a:rPr lang="en-US" dirty="0"/>
+              <a:rPr lang="en-US"/>
               <a:t>Mendelian</a:t>
             </a:r>
             <a:r>
-              <a:rPr lang="en-US" dirty="0">
+              <a:rPr lang="en-US">
                 <a:solidFill>
                   <a:srgbClr val="EBEBEB"/>
                 </a:solidFill>
               </a:rPr>
               <a:t> Randomization setup</a:t>
             </a:r>
-            <a:endParaRPr lang="en-US" dirty="0">
+            <a:endParaRPr lang="en-US">
               <a:solidFill>
                 <a:schemeClr val="tx1"/>
               </a:solidFill>
@@ -12614,7 +13222,7 @@
         </p:nvSpPr>
         <p:spPr>
           <a:xfrm>
-            <a:off x="485868" y="1456519"/>
+            <a:off x="457200" y="1838325"/>
             <a:ext cx="1059525" cy="400110"/>
           </a:xfrm>
           <a:prstGeom prst="rect">
@@ -12632,7 +13240,7 @@
           <a:p>
             <a:pPr algn="ctr"/>
             <a:r>
-              <a:rPr lang="en-US" sz="2000" dirty="0"/>
+              <a:rPr lang="en-US" sz="2000"/>
               <a:t>SNP</a:t>
             </a:r>
           </a:p>
@@ -12652,7 +13260,7 @@
         </p:nvSpPr>
         <p:spPr>
           <a:xfrm>
-            <a:off x="2533650" y="1455738"/>
+            <a:off x="2505075" y="1838325"/>
             <a:ext cx="3528127" cy="400110"/>
           </a:xfrm>
           <a:prstGeom prst="rect">
@@ -12670,10 +13278,10 @@
           <a:p>
             <a:pPr algn="ctr"/>
             <a:r>
-              <a:rPr lang="en-US" sz="2000" dirty="0"/>
+              <a:rPr lang="en-US" sz="2000"/>
               <a:t>Exposure phenotype</a:t>
             </a:r>
-            <a:endParaRPr lang="en-US" sz="2000" dirty="0" err="1"/>
+            <a:endParaRPr lang="en-US" sz="2000" err="1"/>
           </a:p>
         </p:txBody>
       </p:sp>
@@ -12691,7 +13299,7 @@
         </p:nvSpPr>
         <p:spPr>
           <a:xfrm>
-            <a:off x="6783092" y="1475105"/>
+            <a:off x="6753225" y="1857375"/>
             <a:ext cx="3528127" cy="400110"/>
           </a:xfrm>
           <a:prstGeom prst="rect">
@@ -12709,10 +13317,10 @@
           <a:p>
             <a:pPr algn="ctr"/>
             <a:r>
-              <a:rPr lang="en-US" sz="2000" dirty="0"/>
+              <a:rPr lang="en-US" sz="2000"/>
               <a:t>Outcome phenotype</a:t>
             </a:r>
-            <a:endParaRPr lang="en-US" sz="2000" dirty="0" err="1"/>
+            <a:endParaRPr lang="en-US" sz="2000" err="1"/>
           </a:p>
         </p:txBody>
       </p:sp>
@@ -12730,7 +13338,7 @@
         </p:nvSpPr>
         <p:spPr>
           <a:xfrm>
-            <a:off x="5068266" y="2809240"/>
+            <a:off x="5038725" y="3190875"/>
             <a:ext cx="2731863" cy="400110"/>
           </a:xfrm>
           <a:prstGeom prst="rect">
@@ -12748,18 +13356,344 @@
           <a:p>
             <a:pPr algn="ctr"/>
             <a:r>
-              <a:rPr lang="en-US" sz="2000" dirty="0"/>
+              <a:rPr lang="en-US" sz="2000"/>
               <a:t>Confounders</a:t>
             </a:r>
           </a:p>
         </p:txBody>
       </p:sp>
+      <p:sp>
+        <p:nvSpPr>
+          <p:cNvPr id="23" name="Content Placeholder 2">
+            <a:extLst>
+              <a:ext uri="{FF2B5EF4-FFF2-40B4-BE49-F238E27FC236}">
+                <a16:creationId xmlns:a16="http://schemas.microsoft.com/office/drawing/2014/main" id="{F190B6CE-E04E-4B7A-8567-357E625F500D}"/>
+              </a:ext>
+            </a:extLst>
+          </p:cNvPr>
+          <p:cNvSpPr>
+            <a:spLocks noGrp="1"/>
+          </p:cNvSpPr>
+          <p:nvPr>
+            <p:ph idx="1"/>
+          </p:nvPr>
+        </p:nvSpPr>
+        <p:spPr>
+          <a:xfrm>
+            <a:off x="646111" y="3781425"/>
+            <a:ext cx="10863802" cy="2501900"/>
+          </a:xfrm>
+        </p:spPr>
+        <p:txBody>
+          <a:bodyPr vert="horz" lIns="91440" tIns="45720" rIns="91440" bIns="45720" rtlCol="0" anchor="t">
+            <a:normAutofit/>
+          </a:bodyPr>
+          <a:lstStyle/>
+          <a:p>
+            <a:r>
+              <a:rPr lang="en-US"/>
+              <a:t>Rules that need to be met before using a genetic variant in the MR framework</a:t>
+            </a:r>
+          </a:p>
+          <a:p>
+            <a:pPr lvl="1"/>
+            <a:r>
+              <a:rPr lang="en-US"/>
+              <a:t>The genetic variant must be associated with the exposure of interest</a:t>
+            </a:r>
+          </a:p>
+          <a:p>
+            <a:pPr lvl="1"/>
+            <a:r>
+              <a:rPr lang="en-US"/>
+              <a:t>The genetic variant must not be associated with confounders</a:t>
+            </a:r>
+          </a:p>
+          <a:p>
+            <a:pPr lvl="1"/>
+            <a:r>
+              <a:rPr lang="en-US"/>
+              <a:t>The genetic variant may only affect the outcome through the exposure</a:t>
+            </a:r>
+          </a:p>
+          <a:p>
+            <a:pPr lvl="1"/>
+            <a:endParaRPr lang="en-US"/>
+          </a:p>
+          <a:p>
+            <a:pPr lvl="1"/>
+            <a:endParaRPr lang="en-US"/>
+          </a:p>
+          <a:p>
+            <a:endParaRPr lang="en-US"/>
+          </a:p>
+        </p:txBody>
+      </p:sp>
+      <p:cxnSp>
+        <p:nvCxnSpPr>
+          <p:cNvPr id="2" name="Straight Arrow Connector 1">
+            <a:extLst>
+              <a:ext uri="{FF2B5EF4-FFF2-40B4-BE49-F238E27FC236}">
+                <a16:creationId xmlns:a16="http://schemas.microsoft.com/office/drawing/2014/main" id="{8147C522-8C6F-445D-8F76-F7E3D585E86A}"/>
+              </a:ext>
+            </a:extLst>
+          </p:cNvPr>
+          <p:cNvCxnSpPr/>
+          <p:nvPr/>
+        </p:nvCxnSpPr>
+        <p:spPr>
+          <a:xfrm>
+            <a:off x="1438275" y="2028825"/>
+            <a:ext cx="1367287" cy="8628"/>
+          </a:xfrm>
+          <a:prstGeom prst="straightConnector1">
+            <a:avLst/>
+          </a:prstGeom>
+          <a:ln>
+            <a:solidFill>
+              <a:schemeClr val="tx1"/>
+            </a:solidFill>
+            <a:tailEnd type="triangle"/>
+          </a:ln>
+        </p:spPr>
+        <p:style>
+          <a:lnRef idx="3">
+            <a:schemeClr val="dk1"/>
+          </a:lnRef>
+          <a:fillRef idx="0">
+            <a:schemeClr val="dk1"/>
+          </a:fillRef>
+          <a:effectRef idx="2">
+            <a:schemeClr val="dk1"/>
+          </a:effectRef>
+          <a:fontRef idx="minor">
+            <a:schemeClr val="tx1"/>
+          </a:fontRef>
+        </p:style>
+      </p:cxnSp>
+      <p:cxnSp>
+        <p:nvCxnSpPr>
+          <p:cNvPr id="17" name="Straight Arrow Connector 16">
+            <a:extLst>
+              <a:ext uri="{FF2B5EF4-FFF2-40B4-BE49-F238E27FC236}">
+                <a16:creationId xmlns:a16="http://schemas.microsoft.com/office/drawing/2014/main" id="{D8900018-0436-4161-9D04-865A72C2647B}"/>
+              </a:ext>
+            </a:extLst>
+          </p:cNvPr>
+          <p:cNvCxnSpPr>
+            <a:cxnSpLocks/>
+          </p:cNvCxnSpPr>
+          <p:nvPr/>
+        </p:nvCxnSpPr>
+        <p:spPr>
+          <a:xfrm>
+            <a:off x="5715000" y="2028825"/>
+            <a:ext cx="1367287" cy="8628"/>
+          </a:xfrm>
+          <a:prstGeom prst="straightConnector1">
+            <a:avLst/>
+          </a:prstGeom>
+          <a:ln>
+            <a:solidFill>
+              <a:schemeClr val="tx1"/>
+            </a:solidFill>
+            <a:tailEnd type="triangle"/>
+          </a:ln>
+        </p:spPr>
+        <p:style>
+          <a:lnRef idx="3">
+            <a:schemeClr val="dk1"/>
+          </a:lnRef>
+          <a:fillRef idx="0">
+            <a:schemeClr val="dk1"/>
+          </a:fillRef>
+          <a:effectRef idx="2">
+            <a:schemeClr val="dk1"/>
+          </a:effectRef>
+          <a:fontRef idx="minor">
+            <a:schemeClr val="tx1"/>
+          </a:fontRef>
+        </p:style>
+      </p:cxnSp>
+      <p:cxnSp>
+        <p:nvCxnSpPr>
+          <p:cNvPr id="19" name="Straight Arrow Connector 18">
+            <a:extLst>
+              <a:ext uri="{FF2B5EF4-FFF2-40B4-BE49-F238E27FC236}">
+                <a16:creationId xmlns:a16="http://schemas.microsoft.com/office/drawing/2014/main" id="{DF64CFCC-8FBE-42ED-8784-073E2AFE91D6}"/>
+              </a:ext>
+            </a:extLst>
+          </p:cNvPr>
+          <p:cNvCxnSpPr>
+            <a:cxnSpLocks/>
+          </p:cNvCxnSpPr>
+          <p:nvPr/>
+        </p:nvCxnSpPr>
+        <p:spPr>
+          <a:xfrm flipH="1" flipV="1">
+            <a:off x="4333875" y="2371725"/>
+            <a:ext cx="1220636" cy="753370"/>
+          </a:xfrm>
+          <a:prstGeom prst="straightConnector1">
+            <a:avLst/>
+          </a:prstGeom>
+          <a:ln>
+            <a:solidFill>
+              <a:schemeClr val="tx1"/>
+            </a:solidFill>
+            <a:tailEnd type="triangle"/>
+          </a:ln>
+        </p:spPr>
+        <p:style>
+          <a:lnRef idx="3">
+            <a:schemeClr val="dk1"/>
+          </a:lnRef>
+          <a:fillRef idx="0">
+            <a:schemeClr val="dk1"/>
+          </a:fillRef>
+          <a:effectRef idx="2">
+            <a:schemeClr val="dk1"/>
+          </a:effectRef>
+          <a:fontRef idx="minor">
+            <a:schemeClr val="tx1"/>
+          </a:fontRef>
+        </p:style>
+      </p:cxnSp>
+      <p:cxnSp>
+        <p:nvCxnSpPr>
+          <p:cNvPr id="22" name="Straight Arrow Connector 21">
+            <a:extLst>
+              <a:ext uri="{FF2B5EF4-FFF2-40B4-BE49-F238E27FC236}">
+                <a16:creationId xmlns:a16="http://schemas.microsoft.com/office/drawing/2014/main" id="{A21E2805-FADF-4464-94D1-B7B7DFF47576}"/>
+              </a:ext>
+            </a:extLst>
+          </p:cNvPr>
+          <p:cNvCxnSpPr>
+            <a:cxnSpLocks/>
+          </p:cNvCxnSpPr>
+          <p:nvPr/>
+        </p:nvCxnSpPr>
+        <p:spPr>
+          <a:xfrm flipV="1">
+            <a:off x="7181850" y="2390775"/>
+            <a:ext cx="1115684" cy="724617"/>
+          </a:xfrm>
+          <a:prstGeom prst="straightConnector1">
+            <a:avLst/>
+          </a:prstGeom>
+          <a:ln>
+            <a:solidFill>
+              <a:schemeClr val="tx1"/>
+            </a:solidFill>
+            <a:tailEnd type="triangle"/>
+          </a:ln>
+        </p:spPr>
+        <p:style>
+          <a:lnRef idx="3">
+            <a:schemeClr val="dk1"/>
+          </a:lnRef>
+          <a:fillRef idx="0">
+            <a:schemeClr val="dk1"/>
+          </a:fillRef>
+          <a:effectRef idx="2">
+            <a:schemeClr val="dk1"/>
+          </a:effectRef>
+          <a:fontRef idx="minor">
+            <a:schemeClr val="tx1"/>
+          </a:fontRef>
+        </p:style>
+      </p:cxnSp>
+      <p:cxnSp>
+        <p:nvCxnSpPr>
+          <p:cNvPr id="6" name="Connector: Curved 5">
+            <a:extLst>
+              <a:ext uri="{FF2B5EF4-FFF2-40B4-BE49-F238E27FC236}">
+                <a16:creationId xmlns:a16="http://schemas.microsoft.com/office/drawing/2014/main" id="{42345A00-A80D-4D9F-93D6-DDF808F07655}"/>
+              </a:ext>
+            </a:extLst>
+          </p:cNvPr>
+          <p:cNvCxnSpPr/>
+          <p:nvPr/>
+        </p:nvCxnSpPr>
+        <p:spPr>
+          <a:xfrm>
+            <a:off x="1409700" y="2143125"/>
+            <a:ext cx="1475113" cy="1259456"/>
+          </a:xfrm>
+          <a:prstGeom prst="curvedConnector3">
+            <a:avLst/>
+          </a:prstGeom>
+          <a:ln>
+            <a:solidFill>
+              <a:schemeClr val="tx1"/>
+            </a:solidFill>
+          </a:ln>
+        </p:spPr>
+        <p:style>
+          <a:lnRef idx="3">
+            <a:schemeClr val="dk1"/>
+          </a:lnRef>
+          <a:fillRef idx="0">
+            <a:schemeClr val="dk1"/>
+          </a:fillRef>
+          <a:effectRef idx="2">
+            <a:schemeClr val="dk1"/>
+          </a:effectRef>
+          <a:fontRef idx="minor">
+            <a:schemeClr val="tx1"/>
+          </a:fontRef>
+        </p:style>
+      </p:cxnSp>
+      <p:cxnSp>
+        <p:nvCxnSpPr>
+          <p:cNvPr id="24" name="Straight Arrow Connector 23">
+            <a:extLst>
+              <a:ext uri="{FF2B5EF4-FFF2-40B4-BE49-F238E27FC236}">
+                <a16:creationId xmlns:a16="http://schemas.microsoft.com/office/drawing/2014/main" id="{81125D93-9EB9-4A7B-BCB2-08E8AAAEDF79}"/>
+              </a:ext>
+            </a:extLst>
+          </p:cNvPr>
+          <p:cNvCxnSpPr>
+            <a:cxnSpLocks/>
+          </p:cNvCxnSpPr>
+          <p:nvPr/>
+        </p:nvCxnSpPr>
+        <p:spPr>
+          <a:xfrm>
+            <a:off x="2809875" y="3390900"/>
+            <a:ext cx="2639683" cy="1440"/>
+          </a:xfrm>
+          <a:prstGeom prst="straightConnector1">
+            <a:avLst/>
+          </a:prstGeom>
+          <a:ln>
+            <a:solidFill>
+              <a:schemeClr val="tx1"/>
+            </a:solidFill>
+            <a:tailEnd type="triangle"/>
+          </a:ln>
+        </p:spPr>
+        <p:style>
+          <a:lnRef idx="3">
+            <a:schemeClr val="dk1"/>
+          </a:lnRef>
+          <a:fillRef idx="0">
+            <a:schemeClr val="dk1"/>
+          </a:fillRef>
+          <a:effectRef idx="2">
+            <a:schemeClr val="dk1"/>
+          </a:effectRef>
+          <a:fontRef idx="minor">
+            <a:schemeClr val="tx1"/>
+          </a:fontRef>
+        </p:style>
+      </p:cxnSp>
       <p:pic>
         <p:nvPicPr>
-          <p:cNvPr id="16" name="Picture 13" descr="right-arrow.png">
-            <a:extLst>
-              <a:ext uri="{FF2B5EF4-FFF2-40B4-BE49-F238E27FC236}">
-                <a16:creationId xmlns:a16="http://schemas.microsoft.com/office/drawing/2014/main" id="{147665F1-54CD-4092-B4B1-226341004FD4}"/>
+          <p:cNvPr id="10" name="Picture 14" descr="close.png">
+            <a:extLst>
+              <a:ext uri="{FF2B5EF4-FFF2-40B4-BE49-F238E27FC236}">
+                <a16:creationId xmlns:a16="http://schemas.microsoft.com/office/drawing/2014/main" id="{BE28674E-5F2E-4461-BAE6-FCD1BA5875E4}"/>
               </a:ext>
             </a:extLst>
           </p:cNvPr>
@@ -12776,8 +13710,8 @@
         </p:blipFill>
         <p:spPr>
           <a:xfrm>
-            <a:off x="1819622" y="1351956"/>
-            <a:ext cx="600974" cy="600974"/>
+            <a:off x="2628900" y="3181350"/>
+            <a:ext cx="364287" cy="371475"/>
           </a:xfrm>
           <a:prstGeom prst="rect">
             <a:avLst/>
@@ -12786,10 +13720,100 @@
       </p:pic>
       <p:pic>
         <p:nvPicPr>
-          <p:cNvPr id="18" name="Picture 13" descr="right-arrow.png">
-            <a:extLst>
-              <a:ext uri="{FF2B5EF4-FFF2-40B4-BE49-F238E27FC236}">
-                <a16:creationId xmlns:a16="http://schemas.microsoft.com/office/drawing/2014/main" id="{CB625D2F-4190-410A-816B-B0271216E279}"/>
+          <p:cNvPr id="26" name="Picture 9" descr="dna_vector_right.png">
+            <a:extLst>
+              <a:ext uri="{FF2B5EF4-FFF2-40B4-BE49-F238E27FC236}">
+                <a16:creationId xmlns:a16="http://schemas.microsoft.com/office/drawing/2014/main" id="{17EE4949-01B3-4897-9BBB-FA67EB284392}"/>
+              </a:ext>
+            </a:extLst>
+          </p:cNvPr>
+          <p:cNvPicPr>
+            <a:picLocks noChangeAspect="1"/>
+          </p:cNvPicPr>
+          <p:nvPr/>
+        </p:nvPicPr>
+        <p:blipFill>
+          <a:blip r:embed="rId5"/>
+          <a:stretch>
+            <a:fillRect/>
+          </a:stretch>
+        </p:blipFill>
+        <p:spPr>
+          <a:xfrm rot="13920000">
+            <a:off x="737559" y="1373936"/>
+            <a:ext cx="644243" cy="644243"/>
+          </a:xfrm>
+          <a:prstGeom prst="rect">
+            <a:avLst/>
+          </a:prstGeom>
+        </p:spPr>
+      </p:pic>
+      <p:pic>
+        <p:nvPicPr>
+          <p:cNvPr id="28" name="Picture 5" descr="man.png">
+            <a:extLst>
+              <a:ext uri="{FF2B5EF4-FFF2-40B4-BE49-F238E27FC236}">
+                <a16:creationId xmlns:a16="http://schemas.microsoft.com/office/drawing/2014/main" id="{7A63E906-FC59-430F-8F79-0A054CF8C274}"/>
+              </a:ext>
+            </a:extLst>
+          </p:cNvPr>
+          <p:cNvPicPr>
+            <a:picLocks noChangeAspect="1"/>
+          </p:cNvPicPr>
+          <p:nvPr/>
+        </p:nvPicPr>
+        <p:blipFill>
+          <a:blip r:embed="rId6"/>
+          <a:stretch>
+            <a:fillRect/>
+          </a:stretch>
+        </p:blipFill>
+        <p:spPr>
+          <a:xfrm>
+            <a:off x="8143875" y="1167262"/>
+            <a:ext cx="693773" cy="694164"/>
+          </a:xfrm>
+          <a:prstGeom prst="rect">
+            <a:avLst/>
+          </a:prstGeom>
+        </p:spPr>
+      </p:pic>
+      <p:pic>
+        <p:nvPicPr>
+          <p:cNvPr id="32" name="Picture 9" descr="toast.png">
+            <a:extLst>
+              <a:ext uri="{FF2B5EF4-FFF2-40B4-BE49-F238E27FC236}">
+                <a16:creationId xmlns:a16="http://schemas.microsoft.com/office/drawing/2014/main" id="{41AD9F17-DEDA-4877-A49C-EF262F0C8811}"/>
+              </a:ext>
+            </a:extLst>
+          </p:cNvPr>
+          <p:cNvPicPr>
+            <a:picLocks noChangeAspect="1"/>
+          </p:cNvPicPr>
+          <p:nvPr/>
+        </p:nvPicPr>
+        <p:blipFill>
+          <a:blip r:embed="rId7"/>
+          <a:stretch>
+            <a:fillRect/>
+          </a:stretch>
+        </p:blipFill>
+        <p:spPr>
+          <a:xfrm>
+            <a:off x="8543925" y="1555091"/>
+            <a:ext cx="356559" cy="356559"/>
+          </a:xfrm>
+          <a:prstGeom prst="rect">
+            <a:avLst/>
+          </a:prstGeom>
+        </p:spPr>
+      </p:pic>
+      <p:pic>
+        <p:nvPicPr>
+          <p:cNvPr id="33" name="Picture 11" descr="close.png">
+            <a:extLst>
+              <a:ext uri="{FF2B5EF4-FFF2-40B4-BE49-F238E27FC236}">
+                <a16:creationId xmlns:a16="http://schemas.microsoft.com/office/drawing/2014/main" id="{0725B667-653C-42B1-B72C-DF156526B0F3}"/>
               </a:ext>
             </a:extLst>
           </p:cNvPr>
@@ -12805,9 +13829,9 @@
           </a:stretch>
         </p:blipFill>
         <p:spPr>
-          <a:xfrm>
-            <a:off x="6186971" y="1381125"/>
-            <a:ext cx="601662" cy="664388"/>
+          <a:xfrm flipH="1">
+            <a:off x="8515170" y="1511959"/>
+            <a:ext cx="412750" cy="435065"/>
           </a:xfrm>
           <a:prstGeom prst="rect">
             <a:avLst/>
@@ -12816,10 +13840,10 @@
       </p:pic>
       <p:pic>
         <p:nvPicPr>
-          <p:cNvPr id="20" name="Picture 13" descr="right-arrow.png">
-            <a:extLst>
-              <a:ext uri="{FF2B5EF4-FFF2-40B4-BE49-F238E27FC236}">
-                <a16:creationId xmlns:a16="http://schemas.microsoft.com/office/drawing/2014/main" id="{EC94A5B7-FA45-4473-A507-D719562444D3}"/>
+          <p:cNvPr id="35" name="Picture 5" descr="man.png">
+            <a:extLst>
+              <a:ext uri="{FF2B5EF4-FFF2-40B4-BE49-F238E27FC236}">
+                <a16:creationId xmlns:a16="http://schemas.microsoft.com/office/drawing/2014/main" id="{4B1A512E-5EB5-4918-A246-CC5609039E19}"/>
               </a:ext>
             </a:extLst>
           </p:cNvPr>
@@ -12829,15 +13853,15 @@
           <p:nvPr/>
         </p:nvPicPr>
         <p:blipFill>
-          <a:blip r:embed="rId4"/>
+          <a:blip r:embed="rId6"/>
           <a:stretch>
             <a:fillRect/>
           </a:stretch>
         </p:blipFill>
         <p:spPr>
-          <a:xfrm rot="14340000">
-            <a:off x="5054265" y="2098214"/>
-            <a:ext cx="600974" cy="600974"/>
+          <a:xfrm>
+            <a:off x="3724275" y="1171575"/>
+            <a:ext cx="693773" cy="694164"/>
           </a:xfrm>
           <a:prstGeom prst="rect">
             <a:avLst/>
@@ -12846,10 +13870,10 @@
       </p:pic>
       <p:pic>
         <p:nvPicPr>
-          <p:cNvPr id="21" name="Picture 13" descr="right-arrow.png">
-            <a:extLst>
-              <a:ext uri="{FF2B5EF4-FFF2-40B4-BE49-F238E27FC236}">
-                <a16:creationId xmlns:a16="http://schemas.microsoft.com/office/drawing/2014/main" id="{185F18EE-BA6D-48A4-B5E8-37E0600D3D60}"/>
+          <p:cNvPr id="37" name="Picture 5" descr="heart.png">
+            <a:extLst>
+              <a:ext uri="{FF2B5EF4-FFF2-40B4-BE49-F238E27FC236}">
+                <a16:creationId xmlns:a16="http://schemas.microsoft.com/office/drawing/2014/main" id="{3975C713-30F6-4F4B-925B-33ED292BFC23}"/>
               </a:ext>
             </a:extLst>
           </p:cNvPr>
@@ -12859,59 +13883,21 @@
           <p:nvPr/>
         </p:nvPicPr>
         <p:blipFill>
-          <a:blip r:embed="rId4"/>
+          <a:blip r:embed="rId8"/>
           <a:stretch>
             <a:fillRect/>
           </a:stretch>
         </p:blipFill>
         <p:spPr>
-          <a:xfrm rot="-3540000">
-            <a:off x="7221326" y="2098214"/>
-            <a:ext cx="600974" cy="600974"/>
+          <a:xfrm>
+            <a:off x="4082990" y="1537119"/>
+            <a:ext cx="372424" cy="378694"/>
           </a:xfrm>
           <a:prstGeom prst="rect">
             <a:avLst/>
           </a:prstGeom>
         </p:spPr>
       </p:pic>
-      <p:sp>
-        <p:nvSpPr>
-          <p:cNvPr id="23" name="Content Placeholder 2">
-            <a:extLst>
-              <a:ext uri="{FF2B5EF4-FFF2-40B4-BE49-F238E27FC236}">
-                <a16:creationId xmlns:a16="http://schemas.microsoft.com/office/drawing/2014/main" id="{F190B6CE-E04E-4B7A-8567-357E625F500D}"/>
-              </a:ext>
-            </a:extLst>
-          </p:cNvPr>
-          <p:cNvSpPr>
-            <a:spLocks noGrp="1"/>
-          </p:cNvSpPr>
-          <p:nvPr>
-            <p:ph idx="1"/>
-          </p:nvPr>
-        </p:nvSpPr>
-        <p:spPr>
-          <a:xfrm>
-            <a:off x="676275" y="3417888"/>
-            <a:ext cx="10863802" cy="2501900"/>
-          </a:xfrm>
-        </p:spPr>
-        <p:txBody>
-          <a:bodyPr vert="horz" lIns="91440" tIns="45720" rIns="91440" bIns="45720" rtlCol="0" anchor="t">
-            <a:normAutofit/>
-          </a:bodyPr>
-          <a:lstStyle/>
-          <a:p>
-            <a:r>
-              <a:rPr lang="en-US" dirty="0"/>
-              <a:t>Rules that need to be met before using a genetic variant in the MR framework</a:t>
-            </a:r>
-          </a:p>
-          <a:p>
-            <a:endParaRPr lang="en-US"/>
-          </a:p>
-        </p:txBody>
-      </p:sp>
     </p:spTree>
     <p:extLst>
       <p:ext uri="{BB962C8B-B14F-4D97-AF65-F5344CB8AC3E}">
@@ -13025,7 +14011,7 @@
           <a:p>
             <a:r>
               <a:rPr lang="en-US"/>
-              <a:t>Preliminary results</a:t>
+              <a:t>Pipeline</a:t>
             </a:r>
             <a:endParaRPr lang="en-US">
               <a:solidFill>
@@ -13037,36 +14023,6 @@
       </p:sp>
       <p:sp>
         <p:nvSpPr>
-          <p:cNvPr id="3" name="Content Placeholder 2">
-            <a:extLst>
-              <a:ext uri="{FF2B5EF4-FFF2-40B4-BE49-F238E27FC236}">
-                <a16:creationId xmlns:a16="http://schemas.microsoft.com/office/drawing/2014/main" id="{396F7CF7-3C03-4BAF-9074-40C8BEFBE3EC}"/>
-              </a:ext>
-            </a:extLst>
-          </p:cNvPr>
-          <p:cNvSpPr>
-            <a:spLocks noGrp="1"/>
-          </p:cNvSpPr>
-          <p:nvPr>
-            <p:ph idx="1"/>
-          </p:nvPr>
-        </p:nvSpPr>
-        <p:spPr>
-          <a:xfrm>
-            <a:off x="646111" y="1854511"/>
-            <a:ext cx="8946541" cy="4195481"/>
-          </a:xfrm>
-        </p:spPr>
-        <p:txBody>
-          <a:bodyPr/>
-          <a:lstStyle/>
-          <a:p>
-            <a:endParaRPr lang="en-US"/>
-          </a:p>
-        </p:txBody>
-      </p:sp>
-      <p:sp>
-        <p:nvSpPr>
           <p:cNvPr id="5" name="TextBox 4">
             <a:extLst>
               <a:ext uri="{FF2B5EF4-FFF2-40B4-BE49-F238E27FC236}">
@@ -13080,7 +14036,7 @@
         <p:spPr>
           <a:xfrm>
             <a:off x="9401175" y="387350"/>
-            <a:ext cx="2743200" cy="369332"/>
+            <a:ext cx="2743200" cy="461665"/>
           </a:xfrm>
           <a:prstGeom prst="rect">
             <a:avLst/>
@@ -13097,12 +14053,1157 @@
           <a:p>
             <a:pPr algn="ctr"/>
             <a:r>
-              <a:rPr lang="en-US" dirty="0"/>
+              <a:rPr lang="en-US" sz="2400" b="1"/>
               <a:t>9</a:t>
             </a:r>
           </a:p>
         </p:txBody>
       </p:sp>
+      <p:cxnSp>
+        <p:nvCxnSpPr>
+          <p:cNvPr id="8" name="Straight Arrow Connector 7">
+            <a:extLst>
+              <a:ext uri="{FF2B5EF4-FFF2-40B4-BE49-F238E27FC236}">
+                <a16:creationId xmlns:a16="http://schemas.microsoft.com/office/drawing/2014/main" id="{697C7010-27AA-4B62-85DD-5BD767EBB7DC}"/>
+              </a:ext>
+            </a:extLst>
+          </p:cNvPr>
+          <p:cNvCxnSpPr/>
+          <p:nvPr/>
+        </p:nvCxnSpPr>
+        <p:spPr>
+          <a:xfrm>
+            <a:off x="6000750" y="1428750"/>
+            <a:ext cx="37382" cy="4803475"/>
+          </a:xfrm>
+          <a:prstGeom prst="straightConnector1">
+            <a:avLst/>
+          </a:prstGeom>
+          <a:ln>
+            <a:solidFill>
+              <a:schemeClr val="tx1"/>
+            </a:solidFill>
+            <a:prstDash val="solid"/>
+            <a:headEnd type="none"/>
+            <a:tailEnd type="triangle"/>
+          </a:ln>
+        </p:spPr>
+        <p:style>
+          <a:lnRef idx="3">
+            <a:schemeClr val="dk1"/>
+          </a:lnRef>
+          <a:fillRef idx="0">
+            <a:schemeClr val="dk1"/>
+          </a:fillRef>
+          <a:effectRef idx="2">
+            <a:schemeClr val="dk1"/>
+          </a:effectRef>
+          <a:fontRef idx="minor">
+            <a:schemeClr val="tx1"/>
+          </a:fontRef>
+        </p:style>
+      </p:cxnSp>
+      <p:pic>
+        <p:nvPicPr>
+          <p:cNvPr id="13" name="Picture 5" descr="man.png">
+            <a:extLst>
+              <a:ext uri="{FF2B5EF4-FFF2-40B4-BE49-F238E27FC236}">
+                <a16:creationId xmlns:a16="http://schemas.microsoft.com/office/drawing/2014/main" id="{32E4971E-48CD-4A61-8ED6-785E8EFBA68A}"/>
+              </a:ext>
+            </a:extLst>
+          </p:cNvPr>
+          <p:cNvPicPr>
+            <a:picLocks noChangeAspect="1"/>
+          </p:cNvPicPr>
+          <p:nvPr/>
+        </p:nvPicPr>
+        <p:blipFill>
+          <a:blip r:embed="rId4"/>
+          <a:stretch>
+            <a:fillRect/>
+          </a:stretch>
+        </p:blipFill>
+        <p:spPr>
+          <a:xfrm>
+            <a:off x="2867025" y="1609725"/>
+            <a:ext cx="693773" cy="694164"/>
+          </a:xfrm>
+          <a:prstGeom prst="rect">
+            <a:avLst/>
+          </a:prstGeom>
+        </p:spPr>
+      </p:pic>
+      <p:pic>
+        <p:nvPicPr>
+          <p:cNvPr id="15" name="Picture 5" descr="heart.png">
+            <a:extLst>
+              <a:ext uri="{FF2B5EF4-FFF2-40B4-BE49-F238E27FC236}">
+                <a16:creationId xmlns:a16="http://schemas.microsoft.com/office/drawing/2014/main" id="{600E4A78-934D-40B8-88AA-9D649ADE43DC}"/>
+              </a:ext>
+            </a:extLst>
+          </p:cNvPr>
+          <p:cNvPicPr>
+            <a:picLocks noChangeAspect="1"/>
+          </p:cNvPicPr>
+          <p:nvPr/>
+        </p:nvPicPr>
+        <p:blipFill>
+          <a:blip r:embed="rId5"/>
+          <a:stretch>
+            <a:fillRect/>
+          </a:stretch>
+        </p:blipFill>
+        <p:spPr>
+          <a:xfrm>
+            <a:off x="3228975" y="1971675"/>
+            <a:ext cx="372424" cy="378694"/>
+          </a:xfrm>
+          <a:prstGeom prst="rect">
+            <a:avLst/>
+          </a:prstGeom>
+        </p:spPr>
+      </p:pic>
+      <p:sp>
+        <p:nvSpPr>
+          <p:cNvPr id="16" name="TextBox 15">
+            <a:extLst>
+              <a:ext uri="{FF2B5EF4-FFF2-40B4-BE49-F238E27FC236}">
+                <a16:creationId xmlns:a16="http://schemas.microsoft.com/office/drawing/2014/main" id="{E3F4B60C-5435-480C-98AB-5851EF64F3F9}"/>
+              </a:ext>
+            </a:extLst>
+          </p:cNvPr>
+          <p:cNvSpPr txBox="1"/>
+          <p:nvPr/>
+        </p:nvSpPr>
+        <p:spPr>
+          <a:xfrm>
+            <a:off x="3676650" y="1104900"/>
+            <a:ext cx="2743200" cy="369332"/>
+          </a:xfrm>
+          <a:prstGeom prst="rect">
+            <a:avLst/>
+          </a:prstGeom>
+        </p:spPr>
+        <p:txBody>
+          <a:bodyPr rot="0" spcFirstLastPara="0" vertOverflow="overflow" horzOverflow="overflow" vert="horz" wrap="square" lIns="91440" tIns="45720" rIns="91440" bIns="45720" numCol="1" spcCol="0" rtlCol="0" fromWordArt="0" anchor="t" anchorCtr="0" forceAA="0" compatLnSpc="1">
+            <a:prstTxWarp prst="textNoShape">
+              <a:avLst/>
+            </a:prstTxWarp>
+            <a:spAutoFit/>
+          </a:bodyPr>
+          <a:lstStyle/>
+          <a:p>
+            <a:pPr algn="ctr"/>
+            <a:r>
+              <a:rPr lang="en-US"/>
+              <a:t>Data input</a:t>
+            </a:r>
+          </a:p>
+        </p:txBody>
+      </p:sp>
+      <p:sp>
+        <p:nvSpPr>
+          <p:cNvPr id="21" name="TextBox 20">
+            <a:extLst>
+              <a:ext uri="{FF2B5EF4-FFF2-40B4-BE49-F238E27FC236}">
+                <a16:creationId xmlns:a16="http://schemas.microsoft.com/office/drawing/2014/main" id="{CBD585F9-8C15-43BB-8858-00B860AFEA81}"/>
+              </a:ext>
+            </a:extLst>
+          </p:cNvPr>
+          <p:cNvSpPr txBox="1"/>
+          <p:nvPr/>
+        </p:nvSpPr>
+        <p:spPr>
+          <a:xfrm>
+            <a:off x="5498980" y="1104900"/>
+            <a:ext cx="2743200" cy="369332"/>
+          </a:xfrm>
+          <a:prstGeom prst="rect">
+            <a:avLst/>
+          </a:prstGeom>
+        </p:spPr>
+        <p:txBody>
+          <a:bodyPr rot="0" spcFirstLastPara="0" vertOverflow="overflow" horzOverflow="overflow" vert="horz" wrap="square" lIns="91440" tIns="45720" rIns="91440" bIns="45720" numCol="1" spcCol="0" rtlCol="0" fromWordArt="0" anchor="t" anchorCtr="0" forceAA="0" compatLnSpc="1">
+            <a:prstTxWarp prst="textNoShape">
+              <a:avLst/>
+            </a:prstTxWarp>
+            <a:spAutoFit/>
+          </a:bodyPr>
+          <a:lstStyle/>
+          <a:p>
+            <a:pPr algn="ctr"/>
+            <a:r>
+              <a:rPr lang="en-US"/>
+              <a:t>Operation</a:t>
+            </a:r>
+          </a:p>
+        </p:txBody>
+      </p:sp>
+      <p:cxnSp>
+        <p:nvCxnSpPr>
+          <p:cNvPr id="23" name="Straight Arrow Connector 22">
+            <a:extLst>
+              <a:ext uri="{FF2B5EF4-FFF2-40B4-BE49-F238E27FC236}">
+                <a16:creationId xmlns:a16="http://schemas.microsoft.com/office/drawing/2014/main" id="{8C19AB4F-CEA5-47BE-9D9A-044AEAB588E9}"/>
+              </a:ext>
+            </a:extLst>
+          </p:cNvPr>
+          <p:cNvCxnSpPr/>
+          <p:nvPr/>
+        </p:nvCxnSpPr>
+        <p:spPr>
+          <a:xfrm flipV="1">
+            <a:off x="3871645" y="2038890"/>
+            <a:ext cx="1791417" cy="5749"/>
+          </a:xfrm>
+          <a:prstGeom prst="straightConnector1">
+            <a:avLst/>
+          </a:prstGeom>
+          <a:ln>
+            <a:solidFill>
+              <a:schemeClr val="tx1"/>
+            </a:solidFill>
+            <a:tailEnd type="triangle"/>
+          </a:ln>
+        </p:spPr>
+        <p:style>
+          <a:lnRef idx="3">
+            <a:schemeClr val="dk1"/>
+          </a:lnRef>
+          <a:fillRef idx="0">
+            <a:schemeClr val="dk1"/>
+          </a:fillRef>
+          <a:effectRef idx="2">
+            <a:schemeClr val="dk1"/>
+          </a:effectRef>
+          <a:fontRef idx="minor">
+            <a:schemeClr val="tx1"/>
+          </a:fontRef>
+        </p:style>
+      </p:cxnSp>
+      <p:sp>
+        <p:nvSpPr>
+          <p:cNvPr id="24" name="TextBox 23">
+            <a:extLst>
+              <a:ext uri="{FF2B5EF4-FFF2-40B4-BE49-F238E27FC236}">
+                <a16:creationId xmlns:a16="http://schemas.microsoft.com/office/drawing/2014/main" id="{AF871910-BF18-4942-945E-50D12E087291}"/>
+              </a:ext>
+            </a:extLst>
+          </p:cNvPr>
+          <p:cNvSpPr txBox="1"/>
+          <p:nvPr/>
+        </p:nvSpPr>
+        <p:spPr>
+          <a:xfrm>
+            <a:off x="3826534" y="1723677"/>
+            <a:ext cx="1764431" cy="338554"/>
+          </a:xfrm>
+          <a:prstGeom prst="rect">
+            <a:avLst/>
+          </a:prstGeom>
+        </p:spPr>
+        <p:txBody>
+          <a:bodyPr rot="0" spcFirstLastPara="0" vertOverflow="overflow" horzOverflow="overflow" vert="horz" wrap="square" lIns="91440" tIns="45720" rIns="91440" bIns="45720" numCol="1" spcCol="0" rtlCol="0" fromWordArt="0" anchor="t" anchorCtr="0" forceAA="0" compatLnSpc="1">
+            <a:prstTxWarp prst="textNoShape">
+              <a:avLst/>
+            </a:prstTxWarp>
+            <a:spAutoFit/>
+          </a:bodyPr>
+          <a:lstStyle/>
+          <a:p>
+            <a:pPr algn="ctr"/>
+            <a:r>
+              <a:rPr lang="en-US" sz="1600"/>
+              <a:t>GWAS exposure</a:t>
+            </a:r>
+          </a:p>
+        </p:txBody>
+      </p:sp>
+      <p:cxnSp>
+        <p:nvCxnSpPr>
+          <p:cNvPr id="25" name="Straight Arrow Connector 24">
+            <a:extLst>
+              <a:ext uri="{FF2B5EF4-FFF2-40B4-BE49-F238E27FC236}">
+                <a16:creationId xmlns:a16="http://schemas.microsoft.com/office/drawing/2014/main" id="{E08B0001-743E-408A-8DF3-AD32D3D72A62}"/>
+              </a:ext>
+            </a:extLst>
+          </p:cNvPr>
+          <p:cNvCxnSpPr>
+            <a:cxnSpLocks/>
+          </p:cNvCxnSpPr>
+          <p:nvPr/>
+        </p:nvCxnSpPr>
+        <p:spPr>
+          <a:xfrm flipH="1">
+            <a:off x="6343650" y="2470750"/>
+            <a:ext cx="4810663" cy="5750"/>
+          </a:xfrm>
+          <a:prstGeom prst="straightConnector1">
+            <a:avLst/>
+          </a:prstGeom>
+          <a:ln>
+            <a:solidFill>
+              <a:schemeClr val="tx1"/>
+            </a:solidFill>
+            <a:tailEnd type="triangle"/>
+          </a:ln>
+        </p:spPr>
+        <p:style>
+          <a:lnRef idx="3">
+            <a:schemeClr val="dk1"/>
+          </a:lnRef>
+          <a:fillRef idx="0">
+            <a:schemeClr val="dk1"/>
+          </a:fillRef>
+          <a:effectRef idx="2">
+            <a:schemeClr val="dk1"/>
+          </a:effectRef>
+          <a:fontRef idx="minor">
+            <a:schemeClr val="tx1"/>
+          </a:fontRef>
+        </p:style>
+      </p:cxnSp>
+      <p:sp>
+        <p:nvSpPr>
+          <p:cNvPr id="26" name="TextBox 25">
+            <a:extLst>
+              <a:ext uri="{FF2B5EF4-FFF2-40B4-BE49-F238E27FC236}">
+                <a16:creationId xmlns:a16="http://schemas.microsoft.com/office/drawing/2014/main" id="{6A5EC868-1DC5-4F32-930F-41D5C76ADB8A}"/>
+              </a:ext>
+            </a:extLst>
+          </p:cNvPr>
+          <p:cNvSpPr txBox="1"/>
+          <p:nvPr/>
+        </p:nvSpPr>
+        <p:spPr>
+          <a:xfrm>
+            <a:off x="6442195" y="2165350"/>
+            <a:ext cx="4846518" cy="338554"/>
+          </a:xfrm>
+          <a:prstGeom prst="rect">
+            <a:avLst/>
+          </a:prstGeom>
+        </p:spPr>
+        <p:txBody>
+          <a:bodyPr rot="0" spcFirstLastPara="0" vertOverflow="overflow" horzOverflow="overflow" vert="horz" wrap="square" lIns="91440" tIns="45720" rIns="91440" bIns="45720" numCol="1" spcCol="0" rtlCol="0" fromWordArt="0" anchor="t" anchorCtr="0" forceAA="0" compatLnSpc="1">
+            <a:prstTxWarp prst="textNoShape">
+              <a:avLst/>
+            </a:prstTxWarp>
+            <a:spAutoFit/>
+          </a:bodyPr>
+          <a:lstStyle/>
+          <a:p>
+            <a:pPr algn="ctr"/>
+            <a:r>
+              <a:rPr lang="en-US" sz="1600"/>
+              <a:t>Select genome-wide significance on exposure</a:t>
+            </a:r>
+          </a:p>
+        </p:txBody>
+      </p:sp>
+      <p:cxnSp>
+        <p:nvCxnSpPr>
+          <p:cNvPr id="27" name="Straight Arrow Connector 26">
+            <a:extLst>
+              <a:ext uri="{FF2B5EF4-FFF2-40B4-BE49-F238E27FC236}">
+                <a16:creationId xmlns:a16="http://schemas.microsoft.com/office/drawing/2014/main" id="{6152B51B-2B38-4FE3-ACF9-62B42E498011}"/>
+              </a:ext>
+            </a:extLst>
+          </p:cNvPr>
+          <p:cNvCxnSpPr>
+            <a:cxnSpLocks/>
+          </p:cNvCxnSpPr>
+          <p:nvPr/>
+        </p:nvCxnSpPr>
+        <p:spPr>
+          <a:xfrm flipH="1" flipV="1">
+            <a:off x="6343786" y="3038475"/>
+            <a:ext cx="5414512" cy="8627"/>
+          </a:xfrm>
+          <a:prstGeom prst="straightConnector1">
+            <a:avLst/>
+          </a:prstGeom>
+          <a:ln>
+            <a:solidFill>
+              <a:schemeClr val="tx1"/>
+            </a:solidFill>
+            <a:tailEnd type="triangle"/>
+          </a:ln>
+        </p:spPr>
+        <p:style>
+          <a:lnRef idx="3">
+            <a:schemeClr val="dk1"/>
+          </a:lnRef>
+          <a:fillRef idx="0">
+            <a:schemeClr val="dk1"/>
+          </a:fillRef>
+          <a:effectRef idx="2">
+            <a:schemeClr val="dk1"/>
+          </a:effectRef>
+          <a:fontRef idx="minor">
+            <a:schemeClr val="tx1"/>
+          </a:fontRef>
+        </p:style>
+      </p:cxnSp>
+      <p:cxnSp>
+        <p:nvCxnSpPr>
+          <p:cNvPr id="28" name="Straight Arrow Connector 27">
+            <a:extLst>
+              <a:ext uri="{FF2B5EF4-FFF2-40B4-BE49-F238E27FC236}">
+                <a16:creationId xmlns:a16="http://schemas.microsoft.com/office/drawing/2014/main" id="{CF99A549-7AD2-4960-AFE4-D24899DEE355}"/>
+              </a:ext>
+            </a:extLst>
+          </p:cNvPr>
+          <p:cNvCxnSpPr>
+            <a:cxnSpLocks/>
+          </p:cNvCxnSpPr>
+          <p:nvPr/>
+        </p:nvCxnSpPr>
+        <p:spPr>
+          <a:xfrm flipH="1" flipV="1">
+            <a:off x="6372224" y="3629025"/>
+            <a:ext cx="4810663" cy="15816"/>
+          </a:xfrm>
+          <a:prstGeom prst="straightConnector1">
+            <a:avLst/>
+          </a:prstGeom>
+          <a:ln>
+            <a:solidFill>
+              <a:schemeClr val="tx1"/>
+            </a:solidFill>
+            <a:tailEnd type="triangle"/>
+          </a:ln>
+        </p:spPr>
+        <p:style>
+          <a:lnRef idx="3">
+            <a:schemeClr val="dk1"/>
+          </a:lnRef>
+          <a:fillRef idx="0">
+            <a:schemeClr val="dk1"/>
+          </a:fillRef>
+          <a:effectRef idx="2">
+            <a:schemeClr val="dk1"/>
+          </a:effectRef>
+          <a:fontRef idx="minor">
+            <a:schemeClr val="tx1"/>
+          </a:fontRef>
+        </p:style>
+      </p:cxnSp>
+      <p:sp>
+        <p:nvSpPr>
+          <p:cNvPr id="29" name="TextBox 28">
+            <a:extLst>
+              <a:ext uri="{FF2B5EF4-FFF2-40B4-BE49-F238E27FC236}">
+                <a16:creationId xmlns:a16="http://schemas.microsoft.com/office/drawing/2014/main" id="{37ABD790-9D90-429C-B699-AD6C46CE0520}"/>
+              </a:ext>
+            </a:extLst>
+          </p:cNvPr>
+          <p:cNvSpPr txBox="1"/>
+          <p:nvPr/>
+        </p:nvSpPr>
+        <p:spPr>
+          <a:xfrm>
+            <a:off x="6476998" y="2731698"/>
+            <a:ext cx="5408223" cy="338554"/>
+          </a:xfrm>
+          <a:prstGeom prst="rect">
+            <a:avLst/>
+          </a:prstGeom>
+        </p:spPr>
+        <p:txBody>
+          <a:bodyPr rot="0" spcFirstLastPara="0" vertOverflow="overflow" horzOverflow="overflow" vert="horz" wrap="square" lIns="91440" tIns="45720" rIns="91440" bIns="45720" numCol="1" spcCol="0" rtlCol="0" fromWordArt="0" anchor="t" anchorCtr="0" forceAA="0" compatLnSpc="1">
+            <a:prstTxWarp prst="textNoShape">
+              <a:avLst/>
+            </a:prstTxWarp>
+            <a:spAutoFit/>
+          </a:bodyPr>
+          <a:lstStyle/>
+          <a:p>
+            <a:pPr algn="ctr"/>
+            <a:r>
+              <a:rPr lang="en-US" sz="1600"/>
+              <a:t>Remove variants without Beta/Log odds on exposure</a:t>
+            </a:r>
+          </a:p>
+        </p:txBody>
+      </p:sp>
+      <p:sp>
+        <p:nvSpPr>
+          <p:cNvPr id="30" name="TextBox 29">
+            <a:extLst>
+              <a:ext uri="{FF2B5EF4-FFF2-40B4-BE49-F238E27FC236}">
+                <a16:creationId xmlns:a16="http://schemas.microsoft.com/office/drawing/2014/main" id="{7F9C2A1A-3179-4E44-81B0-84FFDE131D3B}"/>
+              </a:ext>
+            </a:extLst>
+          </p:cNvPr>
+          <p:cNvSpPr txBox="1"/>
+          <p:nvPr/>
+        </p:nvSpPr>
+        <p:spPr>
+          <a:xfrm>
+            <a:off x="6343376" y="3321170"/>
+            <a:ext cx="5047711" cy="338138"/>
+          </a:xfrm>
+          <a:prstGeom prst="rect">
+            <a:avLst/>
+          </a:prstGeom>
+        </p:spPr>
+        <p:txBody>
+          <a:bodyPr rot="0" spcFirstLastPara="0" vertOverflow="overflow" horzOverflow="overflow" vert="horz" wrap="square" lIns="91440" tIns="45720" rIns="91440" bIns="45720" numCol="1" spcCol="0" rtlCol="0" fromWordArt="0" anchor="t" anchorCtr="0" forceAA="0" compatLnSpc="1">
+            <a:prstTxWarp prst="textNoShape">
+              <a:avLst/>
+            </a:prstTxWarp>
+            <a:spAutoFit/>
+          </a:bodyPr>
+          <a:lstStyle/>
+          <a:p>
+            <a:pPr algn="ctr"/>
+            <a:r>
+              <a:rPr lang="en-US" sz="1600"/>
+              <a:t>Query missing alleles by reference on exposure</a:t>
+            </a:r>
+            <a:endParaRPr lang="en-US"/>
+          </a:p>
+        </p:txBody>
+      </p:sp>
+      <p:cxnSp>
+        <p:nvCxnSpPr>
+          <p:cNvPr id="31" name="Straight Arrow Connector 30">
+            <a:extLst>
+              <a:ext uri="{FF2B5EF4-FFF2-40B4-BE49-F238E27FC236}">
+                <a16:creationId xmlns:a16="http://schemas.microsoft.com/office/drawing/2014/main" id="{FFA69F2C-773B-47A8-800D-7EAB235D4E35}"/>
+              </a:ext>
+            </a:extLst>
+          </p:cNvPr>
+          <p:cNvCxnSpPr>
+            <a:cxnSpLocks/>
+          </p:cNvCxnSpPr>
+          <p:nvPr/>
+        </p:nvCxnSpPr>
+        <p:spPr>
+          <a:xfrm>
+            <a:off x="3818951" y="3621833"/>
+            <a:ext cx="1870494" cy="15817"/>
+          </a:xfrm>
+          <a:prstGeom prst="straightConnector1">
+            <a:avLst/>
+          </a:prstGeom>
+          <a:ln>
+            <a:solidFill>
+              <a:schemeClr val="tx1"/>
+            </a:solidFill>
+            <a:tailEnd type="triangle"/>
+          </a:ln>
+        </p:spPr>
+        <p:style>
+          <a:lnRef idx="3">
+            <a:schemeClr val="dk1"/>
+          </a:lnRef>
+          <a:fillRef idx="0">
+            <a:schemeClr val="dk1"/>
+          </a:fillRef>
+          <a:effectRef idx="2">
+            <a:schemeClr val="dk1"/>
+          </a:effectRef>
+          <a:fontRef idx="minor">
+            <a:schemeClr val="tx1"/>
+          </a:fontRef>
+        </p:style>
+      </p:cxnSp>
+      <p:sp>
+        <p:nvSpPr>
+          <p:cNvPr id="32" name="TextBox 31">
+            <a:extLst>
+              <a:ext uri="{FF2B5EF4-FFF2-40B4-BE49-F238E27FC236}">
+                <a16:creationId xmlns:a16="http://schemas.microsoft.com/office/drawing/2014/main" id="{9717956D-ACEE-4F52-9FA8-E35F2DAB387C}"/>
+              </a:ext>
+            </a:extLst>
+          </p:cNvPr>
+          <p:cNvSpPr txBox="1"/>
+          <p:nvPr/>
+        </p:nvSpPr>
+        <p:spPr>
+          <a:xfrm>
+            <a:off x="3857625" y="3294748"/>
+            <a:ext cx="1721298" cy="338554"/>
+          </a:xfrm>
+          <a:prstGeom prst="rect">
+            <a:avLst/>
+          </a:prstGeom>
+        </p:spPr>
+        <p:txBody>
+          <a:bodyPr rot="0" spcFirstLastPara="0" vertOverflow="overflow" horzOverflow="overflow" vert="horz" wrap="square" lIns="91440" tIns="45720" rIns="91440" bIns="45720" numCol="1" spcCol="0" rtlCol="0" fromWordArt="0" anchor="t" anchorCtr="0" forceAA="0" compatLnSpc="1">
+            <a:prstTxWarp prst="textNoShape">
+              <a:avLst/>
+            </a:prstTxWarp>
+            <a:spAutoFit/>
+          </a:bodyPr>
+          <a:lstStyle/>
+          <a:p>
+            <a:pPr algn="ctr"/>
+            <a:r>
+              <a:rPr lang="en-US" sz="1600"/>
+              <a:t>1000 Genomes</a:t>
+            </a:r>
+          </a:p>
+        </p:txBody>
+      </p:sp>
+      <p:cxnSp>
+        <p:nvCxnSpPr>
+          <p:cNvPr id="33" name="Connector: Elbow 32">
+            <a:extLst>
+              <a:ext uri="{FF2B5EF4-FFF2-40B4-BE49-F238E27FC236}">
+                <a16:creationId xmlns:a16="http://schemas.microsoft.com/office/drawing/2014/main" id="{A83C0391-2EC3-4B50-BEB2-355BE514A99B}"/>
+              </a:ext>
+            </a:extLst>
+          </p:cNvPr>
+          <p:cNvCxnSpPr/>
+          <p:nvPr/>
+        </p:nvCxnSpPr>
+        <p:spPr>
+          <a:xfrm flipV="1">
+            <a:off x="1218841" y="2486383"/>
+            <a:ext cx="4415285" cy="566468"/>
+          </a:xfrm>
+          <a:prstGeom prst="bentConnector3">
+            <a:avLst/>
+          </a:prstGeom>
+          <a:ln>
+            <a:solidFill>
+              <a:schemeClr val="accent6"/>
+            </a:solidFill>
+            <a:prstDash val="dash"/>
+            <a:tailEnd type="triangle"/>
+          </a:ln>
+        </p:spPr>
+        <p:style>
+          <a:lnRef idx="3">
+            <a:schemeClr val="accent6"/>
+          </a:lnRef>
+          <a:fillRef idx="0">
+            <a:schemeClr val="accent6"/>
+          </a:fillRef>
+          <a:effectRef idx="2">
+            <a:schemeClr val="accent6"/>
+          </a:effectRef>
+          <a:fontRef idx="minor">
+            <a:schemeClr val="tx1"/>
+          </a:fontRef>
+        </p:style>
+      </p:cxnSp>
+      <p:sp>
+        <p:nvSpPr>
+          <p:cNvPr id="34" name="TextBox 33">
+            <a:extLst>
+              <a:ext uri="{FF2B5EF4-FFF2-40B4-BE49-F238E27FC236}">
+                <a16:creationId xmlns:a16="http://schemas.microsoft.com/office/drawing/2014/main" id="{17D04664-56E5-4903-A2B8-E9AD68B0ED1B}"/>
+              </a:ext>
+            </a:extLst>
+          </p:cNvPr>
+          <p:cNvSpPr txBox="1"/>
+          <p:nvPr/>
+        </p:nvSpPr>
+        <p:spPr>
+          <a:xfrm>
+            <a:off x="1095375" y="2716421"/>
+            <a:ext cx="2353453" cy="338554"/>
+          </a:xfrm>
+          <a:prstGeom prst="rect">
+            <a:avLst/>
+          </a:prstGeom>
+        </p:spPr>
+        <p:txBody>
+          <a:bodyPr rot="0" spcFirstLastPara="0" vertOverflow="overflow" horzOverflow="overflow" vert="horz" wrap="square" lIns="91440" tIns="45720" rIns="91440" bIns="45720" numCol="1" spcCol="0" rtlCol="0" fromWordArt="0" anchor="t" anchorCtr="0" forceAA="0" compatLnSpc="1">
+            <a:prstTxWarp prst="textNoShape">
+              <a:avLst/>
+            </a:prstTxWarp>
+            <a:spAutoFit/>
+          </a:bodyPr>
+          <a:lstStyle/>
+          <a:p>
+            <a:pPr algn="ctr"/>
+            <a:r>
+              <a:rPr lang="en-US" sz="1600"/>
+              <a:t>First core assumption</a:t>
+            </a:r>
+            <a:endParaRPr lang="en-US"/>
+          </a:p>
+        </p:txBody>
+      </p:sp>
+      <p:cxnSp>
+        <p:nvCxnSpPr>
+          <p:cNvPr id="36" name="Straight Arrow Connector 35">
+            <a:extLst>
+              <a:ext uri="{FF2B5EF4-FFF2-40B4-BE49-F238E27FC236}">
+                <a16:creationId xmlns:a16="http://schemas.microsoft.com/office/drawing/2014/main" id="{8556E4D8-52C9-4755-BD70-01202E6262FF}"/>
+              </a:ext>
+            </a:extLst>
+          </p:cNvPr>
+          <p:cNvCxnSpPr>
+            <a:cxnSpLocks/>
+          </p:cNvCxnSpPr>
+          <p:nvPr/>
+        </p:nvCxnSpPr>
+        <p:spPr>
+          <a:xfrm>
+            <a:off x="3826715" y="4488612"/>
+            <a:ext cx="1856116" cy="8627"/>
+          </a:xfrm>
+          <a:prstGeom prst="straightConnector1">
+            <a:avLst/>
+          </a:prstGeom>
+          <a:ln>
+            <a:solidFill>
+              <a:schemeClr val="tx1"/>
+            </a:solidFill>
+            <a:tailEnd type="triangle"/>
+          </a:ln>
+        </p:spPr>
+        <p:style>
+          <a:lnRef idx="3">
+            <a:schemeClr val="dk1"/>
+          </a:lnRef>
+          <a:fillRef idx="0">
+            <a:schemeClr val="dk1"/>
+          </a:fillRef>
+          <a:effectRef idx="2">
+            <a:schemeClr val="dk1"/>
+          </a:effectRef>
+          <a:fontRef idx="minor">
+            <a:schemeClr val="tx1"/>
+          </a:fontRef>
+        </p:style>
+      </p:cxnSp>
+      <p:pic>
+        <p:nvPicPr>
+          <p:cNvPr id="38" name="Picture 5" descr="man.png">
+            <a:extLst>
+              <a:ext uri="{FF2B5EF4-FFF2-40B4-BE49-F238E27FC236}">
+                <a16:creationId xmlns:a16="http://schemas.microsoft.com/office/drawing/2014/main" id="{9AC09AA7-E3CE-4CE5-BB1B-105F30520555}"/>
+              </a:ext>
+            </a:extLst>
+          </p:cNvPr>
+          <p:cNvPicPr>
+            <a:picLocks noChangeAspect="1"/>
+          </p:cNvPicPr>
+          <p:nvPr/>
+        </p:nvPicPr>
+        <p:blipFill>
+          <a:blip r:embed="rId4"/>
+          <a:stretch>
+            <a:fillRect/>
+          </a:stretch>
+        </p:blipFill>
+        <p:spPr>
+          <a:xfrm>
+            <a:off x="2809875" y="3990975"/>
+            <a:ext cx="693773" cy="694164"/>
+          </a:xfrm>
+          <a:prstGeom prst="rect">
+            <a:avLst/>
+          </a:prstGeom>
+        </p:spPr>
+      </p:pic>
+      <p:pic>
+        <p:nvPicPr>
+          <p:cNvPr id="42" name="Picture 9" descr="toast.png">
+            <a:extLst>
+              <a:ext uri="{FF2B5EF4-FFF2-40B4-BE49-F238E27FC236}">
+                <a16:creationId xmlns:a16="http://schemas.microsoft.com/office/drawing/2014/main" id="{1C476B5E-9F28-425F-88AD-2134791A5D43}"/>
+              </a:ext>
+            </a:extLst>
+          </p:cNvPr>
+          <p:cNvPicPr>
+            <a:picLocks noChangeAspect="1"/>
+          </p:cNvPicPr>
+          <p:nvPr/>
+        </p:nvPicPr>
+        <p:blipFill>
+          <a:blip r:embed="rId6"/>
+          <a:stretch>
+            <a:fillRect/>
+          </a:stretch>
+        </p:blipFill>
+        <p:spPr>
+          <a:xfrm>
+            <a:off x="3158526" y="4423913"/>
+            <a:ext cx="356559" cy="356559"/>
+          </a:xfrm>
+          <a:prstGeom prst="rect">
+            <a:avLst/>
+          </a:prstGeom>
+        </p:spPr>
+      </p:pic>
+      <p:pic>
+        <p:nvPicPr>
+          <p:cNvPr id="40" name="Picture 11" descr="close.png">
+            <a:extLst>
+              <a:ext uri="{FF2B5EF4-FFF2-40B4-BE49-F238E27FC236}">
+                <a16:creationId xmlns:a16="http://schemas.microsoft.com/office/drawing/2014/main" id="{1359CAC3-1340-4B9A-8BF1-045579DE733D}"/>
+              </a:ext>
+            </a:extLst>
+          </p:cNvPr>
+          <p:cNvPicPr>
+            <a:picLocks noChangeAspect="1"/>
+          </p:cNvPicPr>
+          <p:nvPr/>
+        </p:nvPicPr>
+        <p:blipFill>
+          <a:blip r:embed="rId7"/>
+          <a:stretch>
+            <a:fillRect/>
+          </a:stretch>
+        </p:blipFill>
+        <p:spPr>
+          <a:xfrm flipH="1">
+            <a:off x="3129771" y="4387970"/>
+            <a:ext cx="412750" cy="435065"/>
+          </a:xfrm>
+          <a:prstGeom prst="rect">
+            <a:avLst/>
+          </a:prstGeom>
+        </p:spPr>
+      </p:pic>
+      <p:sp>
+        <p:nvSpPr>
+          <p:cNvPr id="43" name="TextBox 42">
+            <a:extLst>
+              <a:ext uri="{FF2B5EF4-FFF2-40B4-BE49-F238E27FC236}">
+                <a16:creationId xmlns:a16="http://schemas.microsoft.com/office/drawing/2014/main" id="{63494D60-FDE1-4665-8891-37DA0205C195}"/>
+              </a:ext>
+            </a:extLst>
+          </p:cNvPr>
+          <p:cNvSpPr txBox="1"/>
+          <p:nvPr/>
+        </p:nvSpPr>
+        <p:spPr>
+          <a:xfrm>
+            <a:off x="3780646" y="4167188"/>
+            <a:ext cx="1827992" cy="338137"/>
+          </a:xfrm>
+          <a:prstGeom prst="rect">
+            <a:avLst/>
+          </a:prstGeom>
+        </p:spPr>
+        <p:txBody>
+          <a:bodyPr rot="0" spcFirstLastPara="0" vertOverflow="overflow" horzOverflow="overflow" vert="horz" wrap="square" lIns="91440" tIns="45720" rIns="91440" bIns="45720" numCol="1" spcCol="0" rtlCol="0" fromWordArt="0" anchor="t" anchorCtr="0" forceAA="0" compatLnSpc="1">
+            <a:prstTxWarp prst="textNoShape">
+              <a:avLst/>
+            </a:prstTxWarp>
+            <a:spAutoFit/>
+          </a:bodyPr>
+          <a:lstStyle/>
+          <a:p>
+            <a:pPr algn="ctr"/>
+            <a:r>
+              <a:rPr lang="en-US" sz="1600"/>
+              <a:t>GWAS outcome</a:t>
+            </a:r>
+          </a:p>
+        </p:txBody>
+      </p:sp>
+      <p:cxnSp>
+        <p:nvCxnSpPr>
+          <p:cNvPr id="44" name="Straight Arrow Connector 43">
+            <a:extLst>
+              <a:ext uri="{FF2B5EF4-FFF2-40B4-BE49-F238E27FC236}">
+                <a16:creationId xmlns:a16="http://schemas.microsoft.com/office/drawing/2014/main" id="{6A8AEE60-D0A8-4663-BA8D-2B54CB5EF8C6}"/>
+              </a:ext>
+            </a:extLst>
+          </p:cNvPr>
+          <p:cNvCxnSpPr>
+            <a:cxnSpLocks/>
+          </p:cNvCxnSpPr>
+          <p:nvPr/>
+        </p:nvCxnSpPr>
+        <p:spPr>
+          <a:xfrm flipH="1">
+            <a:off x="6393791" y="4488612"/>
+            <a:ext cx="4810663" cy="5750"/>
+          </a:xfrm>
+          <a:prstGeom prst="straightConnector1">
+            <a:avLst/>
+          </a:prstGeom>
+          <a:ln>
+            <a:solidFill>
+              <a:schemeClr val="tx1"/>
+            </a:solidFill>
+            <a:tailEnd type="triangle"/>
+          </a:ln>
+        </p:spPr>
+        <p:style>
+          <a:lnRef idx="3">
+            <a:schemeClr val="dk1"/>
+          </a:lnRef>
+          <a:fillRef idx="0">
+            <a:schemeClr val="dk1"/>
+          </a:fillRef>
+          <a:effectRef idx="2">
+            <a:schemeClr val="dk1"/>
+          </a:effectRef>
+          <a:fontRef idx="minor">
+            <a:schemeClr val="tx1"/>
+          </a:fontRef>
+        </p:style>
+      </p:cxnSp>
+      <p:sp>
+        <p:nvSpPr>
+          <p:cNvPr id="46" name="TextBox 45">
+            <a:extLst>
+              <a:ext uri="{FF2B5EF4-FFF2-40B4-BE49-F238E27FC236}">
+                <a16:creationId xmlns:a16="http://schemas.microsoft.com/office/drawing/2014/main" id="{EEEA5198-1642-4C49-9CFB-36F431E87A49}"/>
+              </a:ext>
+            </a:extLst>
+          </p:cNvPr>
+          <p:cNvSpPr txBox="1"/>
+          <p:nvPr/>
+        </p:nvSpPr>
+        <p:spPr>
+          <a:xfrm>
+            <a:off x="6341551" y="4182194"/>
+            <a:ext cx="5047711" cy="338138"/>
+          </a:xfrm>
+          <a:prstGeom prst="rect">
+            <a:avLst/>
+          </a:prstGeom>
+        </p:spPr>
+        <p:txBody>
+          <a:bodyPr rot="0" spcFirstLastPara="0" vertOverflow="overflow" horzOverflow="overflow" vert="horz" wrap="square" lIns="91440" tIns="45720" rIns="91440" bIns="45720" numCol="1" spcCol="0" rtlCol="0" fromWordArt="0" anchor="t" anchorCtr="0" forceAA="0" compatLnSpc="1">
+            <a:prstTxWarp prst="textNoShape">
+              <a:avLst/>
+            </a:prstTxWarp>
+            <a:spAutoFit/>
+          </a:bodyPr>
+          <a:lstStyle/>
+          <a:p>
+            <a:pPr algn="ctr"/>
+            <a:r>
+              <a:rPr lang="en-US" sz="1600"/>
+              <a:t>Find overlap between exposure and outcome</a:t>
+            </a:r>
+            <a:endParaRPr lang="en-US"/>
+          </a:p>
+        </p:txBody>
+      </p:sp>
+      <p:cxnSp>
+        <p:nvCxnSpPr>
+          <p:cNvPr id="47" name="Straight Arrow Connector 46">
+            <a:extLst>
+              <a:ext uri="{FF2B5EF4-FFF2-40B4-BE49-F238E27FC236}">
+                <a16:creationId xmlns:a16="http://schemas.microsoft.com/office/drawing/2014/main" id="{F1D4892A-35B6-4336-BFBC-7C8A51E5530E}"/>
+              </a:ext>
+            </a:extLst>
+          </p:cNvPr>
+          <p:cNvCxnSpPr>
+            <a:cxnSpLocks/>
+          </p:cNvCxnSpPr>
+          <p:nvPr/>
+        </p:nvCxnSpPr>
+        <p:spPr>
+          <a:xfrm flipH="1" flipV="1">
+            <a:off x="6394258" y="5063527"/>
+            <a:ext cx="3840191" cy="15816"/>
+          </a:xfrm>
+          <a:prstGeom prst="straightConnector1">
+            <a:avLst/>
+          </a:prstGeom>
+          <a:ln>
+            <a:solidFill>
+              <a:schemeClr val="tx1"/>
+            </a:solidFill>
+            <a:tailEnd type="triangle"/>
+          </a:ln>
+        </p:spPr>
+        <p:style>
+          <a:lnRef idx="3">
+            <a:schemeClr val="dk1"/>
+          </a:lnRef>
+          <a:fillRef idx="0">
+            <a:schemeClr val="dk1"/>
+          </a:fillRef>
+          <a:effectRef idx="2">
+            <a:schemeClr val="dk1"/>
+          </a:effectRef>
+          <a:fontRef idx="minor">
+            <a:schemeClr val="tx1"/>
+          </a:fontRef>
+        </p:style>
+      </p:cxnSp>
+      <p:sp>
+        <p:nvSpPr>
+          <p:cNvPr id="48" name="TextBox 47">
+            <a:extLst>
+              <a:ext uri="{FF2B5EF4-FFF2-40B4-BE49-F238E27FC236}">
+                <a16:creationId xmlns:a16="http://schemas.microsoft.com/office/drawing/2014/main" id="{3406BA55-5511-4B14-82D4-6FB78DC4E39B}"/>
+              </a:ext>
+            </a:extLst>
+          </p:cNvPr>
+          <p:cNvSpPr txBox="1"/>
+          <p:nvPr/>
+        </p:nvSpPr>
+        <p:spPr>
+          <a:xfrm>
+            <a:off x="6431786" y="4764298"/>
+            <a:ext cx="3681712" cy="338138"/>
+          </a:xfrm>
+          <a:prstGeom prst="rect">
+            <a:avLst/>
+          </a:prstGeom>
+        </p:spPr>
+        <p:txBody>
+          <a:bodyPr rot="0" spcFirstLastPara="0" vertOverflow="overflow" horzOverflow="overflow" vert="horz" wrap="square" lIns="91440" tIns="45720" rIns="91440" bIns="45720" numCol="1" spcCol="0" rtlCol="0" fromWordArt="0" anchor="t" anchorCtr="0" forceAA="0" compatLnSpc="1">
+            <a:prstTxWarp prst="textNoShape">
+              <a:avLst/>
+            </a:prstTxWarp>
+            <a:spAutoFit/>
+          </a:bodyPr>
+          <a:lstStyle/>
+          <a:p>
+            <a:pPr algn="ctr"/>
+            <a:r>
+              <a:rPr lang="en-US" sz="1600"/>
+              <a:t>Harmonize Exposure on Outcome</a:t>
+            </a:r>
+          </a:p>
+        </p:txBody>
+      </p:sp>
+      <p:cxnSp>
+        <p:nvCxnSpPr>
+          <p:cNvPr id="49" name="Connector: Elbow 48">
+            <a:extLst>
+              <a:ext uri="{FF2B5EF4-FFF2-40B4-BE49-F238E27FC236}">
+                <a16:creationId xmlns:a16="http://schemas.microsoft.com/office/drawing/2014/main" id="{E975D08E-D9A9-4695-9B01-1D03E750F4EC}"/>
+              </a:ext>
+            </a:extLst>
+          </p:cNvPr>
+          <p:cNvCxnSpPr/>
+          <p:nvPr/>
+        </p:nvCxnSpPr>
+        <p:spPr>
+          <a:xfrm>
+            <a:off x="6476997" y="5181600"/>
+            <a:ext cx="1741098" cy="792194"/>
+          </a:xfrm>
+          <a:prstGeom prst="bentConnector3">
+            <a:avLst/>
+          </a:prstGeom>
+          <a:ln>
+            <a:solidFill>
+              <a:schemeClr val="tx1"/>
+            </a:solidFill>
+            <a:prstDash val="dash"/>
+          </a:ln>
+        </p:spPr>
+        <p:style>
+          <a:lnRef idx="3">
+            <a:schemeClr val="accent6"/>
+          </a:lnRef>
+          <a:fillRef idx="0">
+            <a:schemeClr val="accent6"/>
+          </a:fillRef>
+          <a:effectRef idx="2">
+            <a:schemeClr val="accent6"/>
+          </a:effectRef>
+          <a:fontRef idx="minor">
+            <a:schemeClr val="tx1"/>
+          </a:fontRef>
+        </p:style>
+      </p:cxnSp>
+      <p:sp>
+        <p:nvSpPr>
+          <p:cNvPr id="50" name="TextBox 49">
+            <a:extLst>
+              <a:ext uri="{FF2B5EF4-FFF2-40B4-BE49-F238E27FC236}">
+                <a16:creationId xmlns:a16="http://schemas.microsoft.com/office/drawing/2014/main" id="{2D6DA9C9-2167-40D3-93D0-1B22F6108ED5}"/>
+              </a:ext>
+            </a:extLst>
+          </p:cNvPr>
+          <p:cNvSpPr txBox="1"/>
+          <p:nvPr/>
+        </p:nvSpPr>
+        <p:spPr>
+          <a:xfrm>
+            <a:off x="7350422" y="5181599"/>
+            <a:ext cx="3251200" cy="984885"/>
+          </a:xfrm>
+          <a:prstGeom prst="rect">
+            <a:avLst/>
+          </a:prstGeom>
+        </p:spPr>
+        <p:txBody>
+          <a:bodyPr rot="0" spcFirstLastPara="0" vertOverflow="overflow" horzOverflow="overflow" vert="horz" wrap="square" lIns="91440" tIns="45720" rIns="91440" bIns="45720" numCol="1" spcCol="0" rtlCol="0" fromWordArt="0" anchor="t" anchorCtr="0" forceAA="0" compatLnSpc="1">
+            <a:prstTxWarp prst="textNoShape">
+              <a:avLst/>
+            </a:prstTxWarp>
+            <a:spAutoFit/>
+          </a:bodyPr>
+          <a:lstStyle/>
+          <a:p>
+            <a:r>
+              <a:rPr lang="en-US" sz="1400"/>
+              <a:t>- Positive align exposure</a:t>
+            </a:r>
+          </a:p>
+          <a:p>
+            <a:r>
+              <a:rPr lang="en-US" sz="1400"/>
+              <a:t>- Align outcome on exposure</a:t>
+            </a:r>
+          </a:p>
+          <a:p>
+            <a:r>
+              <a:rPr lang="en-US" sz="1400"/>
+              <a:t>- Remove palindromic SNPs</a:t>
+            </a:r>
+          </a:p>
+          <a:p>
+            <a:pPr algn="ctr"/>
+            <a:endParaRPr lang="en-US" sz="1600"/>
+          </a:p>
+        </p:txBody>
+      </p:sp>
+      <p:cxnSp>
+        <p:nvCxnSpPr>
+          <p:cNvPr id="51" name="Straight Arrow Connector 50">
+            <a:extLst>
+              <a:ext uri="{FF2B5EF4-FFF2-40B4-BE49-F238E27FC236}">
+                <a16:creationId xmlns:a16="http://schemas.microsoft.com/office/drawing/2014/main" id="{232259C8-1D75-4840-84D7-481E2E3F99B5}"/>
+              </a:ext>
+            </a:extLst>
+          </p:cNvPr>
+          <p:cNvCxnSpPr/>
+          <p:nvPr/>
+        </p:nvCxnSpPr>
+        <p:spPr>
+          <a:xfrm flipV="1">
+            <a:off x="8096250" y="5975946"/>
+            <a:ext cx="2107719" cy="5751"/>
+          </a:xfrm>
+          <a:prstGeom prst="straightConnector1">
+            <a:avLst/>
+          </a:prstGeom>
+          <a:ln>
+            <a:solidFill>
+              <a:schemeClr val="tx1"/>
+            </a:solidFill>
+            <a:prstDash val="dash"/>
+          </a:ln>
+        </p:spPr>
+        <p:style>
+          <a:lnRef idx="3">
+            <a:schemeClr val="accent6"/>
+          </a:lnRef>
+          <a:fillRef idx="0">
+            <a:schemeClr val="accent6"/>
+          </a:fillRef>
+          <a:effectRef idx="2">
+            <a:schemeClr val="accent6"/>
+          </a:effectRef>
+          <a:fontRef idx="minor">
+            <a:schemeClr val="tx1"/>
+          </a:fontRef>
+        </p:style>
+      </p:cxnSp>
     </p:spTree>
     <p:extLst>
       <p:ext uri="{BB962C8B-B14F-4D97-AF65-F5344CB8AC3E}">
